--- a/Presentation/QIP Presentation.pptx
+++ b/Presentation/QIP Presentation.pptx
@@ -15,16 +15,18 @@
     <p:sldId id="263" r:id="rId9"/>
     <p:sldId id="264" r:id="rId10"/>
     <p:sldId id="265" r:id="rId11"/>
-    <p:sldId id="266" r:id="rId12"/>
-    <p:sldId id="267" r:id="rId13"/>
-    <p:sldId id="268" r:id="rId14"/>
-    <p:sldId id="269" r:id="rId15"/>
-    <p:sldId id="271" r:id="rId16"/>
-    <p:sldId id="272" r:id="rId17"/>
-    <p:sldId id="273" r:id="rId18"/>
-    <p:sldId id="274" r:id="rId19"/>
-    <p:sldId id="275" r:id="rId20"/>
-    <p:sldId id="277" r:id="rId21"/>
+    <p:sldId id="279" r:id="rId12"/>
+    <p:sldId id="280" r:id="rId13"/>
+    <p:sldId id="266" r:id="rId14"/>
+    <p:sldId id="267" r:id="rId15"/>
+    <p:sldId id="268" r:id="rId16"/>
+    <p:sldId id="269" r:id="rId17"/>
+    <p:sldId id="271" r:id="rId18"/>
+    <p:sldId id="272" r:id="rId19"/>
+    <p:sldId id="273" r:id="rId20"/>
+    <p:sldId id="274" r:id="rId21"/>
+    <p:sldId id="275" r:id="rId22"/>
+    <p:sldId id="277" r:id="rId23"/>
   </p:sldIdLst>
   <p:sldSz cx="12192000" cy="6858000"/>
   <p:notesSz cx="6858000" cy="9144000"/>
@@ -123,6 +125,11 @@
       </a:defRPr>
     </a:lvl9pPr>
   </p:defaultTextStyle>
+  <p:extLst>
+    <p:ext uri="{EFAFB233-063F-42B5-8137-9DF3F51BA10A}">
+      <p15:sldGuideLst xmlns:p15="http://schemas.microsoft.com/office/powerpoint/2012/main"/>
+    </p:ext>
+  </p:extLst>
 </p:presentation>
 </file>
 
@@ -265,7 +272,7 @@
           <a:p>
             <a:fld id="{E352FA49-33F8-4617-9332-BC3961520BF7}" type="datetimeFigureOut">
               <a:rPr lang="en-US" smtClean="0"/>
-              <a:t>10/27/2024</a:t>
+              <a:t>11/19/2024</a:t>
             </a:fld>
             <a:endParaRPr lang="en-US"/>
           </a:p>
@@ -364,13 +371,13 @@
   <p:clrMapOvr>
     <a:masterClrMapping/>
   </p:clrMapOvr>
-  <mc:AlternateContent xmlns:mc="http://schemas.openxmlformats.org/markup-compatibility/2006">
-    <mc:Choice xmlns:p159="http://schemas.microsoft.com/office/powerpoint/2015/09/main" Requires="p159">
+  <mc:AlternateContent xmlns:mc="http://schemas.openxmlformats.org/markup-compatibility/2006" xmlns:p159="http://schemas.microsoft.com/office/powerpoint/2015/09/main">
+    <mc:Choice Requires="p159">
       <p:transition xmlns:p14="http://schemas.microsoft.com/office/powerpoint/2010/main" spd="slow" p14:dur="2000">
         <p159:morph option="byObject"/>
       </p:transition>
     </mc:Choice>
-    <mc:Fallback>
+    <mc:Fallback xmlns="">
       <p:transition spd="slow">
         <p:fade/>
       </p:transition>
@@ -488,7 +495,7 @@
           <a:p>
             <a:fld id="{E352FA49-33F8-4617-9332-BC3961520BF7}" type="datetimeFigureOut">
               <a:rPr lang="en-US" smtClean="0"/>
-              <a:t>10/27/2024</a:t>
+              <a:t>11/19/2024</a:t>
             </a:fld>
             <a:endParaRPr lang="en-US"/>
           </a:p>
@@ -577,13 +584,13 @@
   <p:clrMapOvr>
     <a:masterClrMapping/>
   </p:clrMapOvr>
-  <mc:AlternateContent xmlns:mc="http://schemas.openxmlformats.org/markup-compatibility/2006">
-    <mc:Choice xmlns:p159="http://schemas.microsoft.com/office/powerpoint/2015/09/main" Requires="p159">
+  <mc:AlternateContent xmlns:mc="http://schemas.openxmlformats.org/markup-compatibility/2006" xmlns:p159="http://schemas.microsoft.com/office/powerpoint/2015/09/main">
+    <mc:Choice Requires="p159">
       <p:transition xmlns:p14="http://schemas.microsoft.com/office/powerpoint/2010/main" spd="slow" p14:dur="2000">
         <p159:morph option="byObject"/>
       </p:transition>
     </mc:Choice>
-    <mc:Fallback>
+    <mc:Fallback xmlns="">
       <p:transition spd="slow">
         <p:fade/>
       </p:transition>
@@ -715,7 +722,7 @@
           <a:p>
             <a:fld id="{E352FA49-33F8-4617-9332-BC3961520BF7}" type="datetimeFigureOut">
               <a:rPr lang="en-US" smtClean="0"/>
-              <a:t>10/27/2024</a:t>
+              <a:t>11/19/2024</a:t>
             </a:fld>
             <a:endParaRPr lang="en-US"/>
           </a:p>
@@ -804,13 +811,13 @@
   <p:clrMapOvr>
     <a:masterClrMapping/>
   </p:clrMapOvr>
-  <mc:AlternateContent xmlns:mc="http://schemas.openxmlformats.org/markup-compatibility/2006">
-    <mc:Choice xmlns:p159="http://schemas.microsoft.com/office/powerpoint/2015/09/main" Requires="p159">
+  <mc:AlternateContent xmlns:mc="http://schemas.openxmlformats.org/markup-compatibility/2006" xmlns:p159="http://schemas.microsoft.com/office/powerpoint/2015/09/main">
+    <mc:Choice Requires="p159">
       <p:transition xmlns:p14="http://schemas.microsoft.com/office/powerpoint/2010/main" spd="slow" p14:dur="2000">
         <p159:morph option="byObject"/>
       </p:transition>
     </mc:Choice>
-    <mc:Fallback>
+    <mc:Fallback xmlns="">
       <p:transition spd="slow">
         <p:fade/>
       </p:transition>
@@ -928,7 +935,7 @@
           <a:p>
             <a:fld id="{E352FA49-33F8-4617-9332-BC3961520BF7}" type="datetimeFigureOut">
               <a:rPr lang="en-US" smtClean="0"/>
-              <a:t>10/27/2024</a:t>
+              <a:t>11/19/2024</a:t>
             </a:fld>
             <a:endParaRPr lang="en-US"/>
           </a:p>
@@ -1017,13 +1024,13 @@
   <p:clrMapOvr>
     <a:masterClrMapping/>
   </p:clrMapOvr>
-  <mc:AlternateContent xmlns:mc="http://schemas.openxmlformats.org/markup-compatibility/2006">
-    <mc:Choice xmlns:p159="http://schemas.microsoft.com/office/powerpoint/2015/09/main" Requires="p159">
+  <mc:AlternateContent xmlns:mc="http://schemas.openxmlformats.org/markup-compatibility/2006" xmlns:p159="http://schemas.microsoft.com/office/powerpoint/2015/09/main">
+    <mc:Choice Requires="p159">
       <p:transition xmlns:p14="http://schemas.microsoft.com/office/powerpoint/2010/main" spd="slow" p14:dur="2000">
         <p159:morph option="byObject"/>
       </p:transition>
     </mc:Choice>
-    <mc:Fallback>
+    <mc:Fallback xmlns="">
       <p:transition spd="slow">
         <p:fade/>
       </p:transition>
@@ -1219,7 +1226,7 @@
           <a:p>
             <a:fld id="{E352FA49-33F8-4617-9332-BC3961520BF7}" type="datetimeFigureOut">
               <a:rPr lang="en-US" smtClean="0"/>
-              <a:t>10/27/2024</a:t>
+              <a:t>11/19/2024</a:t>
             </a:fld>
             <a:endParaRPr lang="en-US"/>
           </a:p>
@@ -1308,13 +1315,13 @@
   <p:clrMapOvr>
     <a:masterClrMapping/>
   </p:clrMapOvr>
-  <mc:AlternateContent xmlns:mc="http://schemas.openxmlformats.org/markup-compatibility/2006">
-    <mc:Choice xmlns:p159="http://schemas.microsoft.com/office/powerpoint/2015/09/main" Requires="p159">
+  <mc:AlternateContent xmlns:mc="http://schemas.openxmlformats.org/markup-compatibility/2006" xmlns:p159="http://schemas.microsoft.com/office/powerpoint/2015/09/main">
+    <mc:Choice Requires="p159">
       <p:transition xmlns:p14="http://schemas.microsoft.com/office/powerpoint/2010/main" spd="slow" p14:dur="2000">
         <p159:morph option="byObject"/>
       </p:transition>
     </mc:Choice>
-    <mc:Fallback>
+    <mc:Fallback xmlns="">
       <p:transition spd="slow">
         <p:fade/>
       </p:transition>
@@ -1499,7 +1506,7 @@
           <a:p>
             <a:fld id="{E352FA49-33F8-4617-9332-BC3961520BF7}" type="datetimeFigureOut">
               <a:rPr lang="en-US" smtClean="0"/>
-              <a:t>10/27/2024</a:t>
+              <a:t>11/19/2024</a:t>
             </a:fld>
             <a:endParaRPr lang="en-US"/>
           </a:p>
@@ -1588,13 +1595,13 @@
   <p:clrMapOvr>
     <a:masterClrMapping/>
   </p:clrMapOvr>
-  <mc:AlternateContent xmlns:mc="http://schemas.openxmlformats.org/markup-compatibility/2006">
-    <mc:Choice xmlns:p159="http://schemas.microsoft.com/office/powerpoint/2015/09/main" Requires="p159">
+  <mc:AlternateContent xmlns:mc="http://schemas.openxmlformats.org/markup-compatibility/2006" xmlns:p159="http://schemas.microsoft.com/office/powerpoint/2015/09/main">
+    <mc:Choice Requires="p159">
       <p:transition xmlns:p14="http://schemas.microsoft.com/office/powerpoint/2010/main" spd="slow" p14:dur="2000">
         <p159:morph option="byObject"/>
       </p:transition>
     </mc:Choice>
-    <mc:Fallback>
+    <mc:Fallback xmlns="">
       <p:transition spd="slow">
         <p:fade/>
       </p:transition>
@@ -1927,7 +1934,7 @@
           <a:p>
             <a:fld id="{E352FA49-33F8-4617-9332-BC3961520BF7}" type="datetimeFigureOut">
               <a:rPr lang="en-US" smtClean="0"/>
-              <a:t>10/27/2024</a:t>
+              <a:t>11/19/2024</a:t>
             </a:fld>
             <a:endParaRPr lang="en-US"/>
           </a:p>
@@ -2016,13 +2023,13 @@
   <p:clrMapOvr>
     <a:masterClrMapping/>
   </p:clrMapOvr>
-  <mc:AlternateContent xmlns:mc="http://schemas.openxmlformats.org/markup-compatibility/2006">
-    <mc:Choice xmlns:p159="http://schemas.microsoft.com/office/powerpoint/2015/09/main" Requires="p159">
+  <mc:AlternateContent xmlns:mc="http://schemas.openxmlformats.org/markup-compatibility/2006" xmlns:p159="http://schemas.microsoft.com/office/powerpoint/2015/09/main">
+    <mc:Choice Requires="p159">
       <p:transition xmlns:p14="http://schemas.microsoft.com/office/powerpoint/2010/main" spd="slow" p14:dur="2000">
         <p159:morph option="byObject"/>
       </p:transition>
     </mc:Choice>
-    <mc:Fallback>
+    <mc:Fallback xmlns="">
       <p:transition spd="slow">
         <p:fade/>
       </p:transition>
@@ -2088,7 +2095,7 @@
           <a:p>
             <a:fld id="{E352FA49-33F8-4617-9332-BC3961520BF7}" type="datetimeFigureOut">
               <a:rPr lang="en-US" smtClean="0"/>
-              <a:t>10/27/2024</a:t>
+              <a:t>11/19/2024</a:t>
             </a:fld>
             <a:endParaRPr lang="en-US"/>
           </a:p>
@@ -2177,13 +2184,13 @@
   <p:clrMapOvr>
     <a:masterClrMapping/>
   </p:clrMapOvr>
-  <mc:AlternateContent xmlns:mc="http://schemas.openxmlformats.org/markup-compatibility/2006">
-    <mc:Choice xmlns:p159="http://schemas.microsoft.com/office/powerpoint/2015/09/main" Requires="p159">
+  <mc:AlternateContent xmlns:mc="http://schemas.openxmlformats.org/markup-compatibility/2006" xmlns:p159="http://schemas.microsoft.com/office/powerpoint/2015/09/main">
+    <mc:Choice Requires="p159">
       <p:transition xmlns:p14="http://schemas.microsoft.com/office/powerpoint/2010/main" spd="slow" p14:dur="2000">
         <p159:morph option="byObject"/>
       </p:transition>
     </mc:Choice>
-    <mc:Fallback>
+    <mc:Fallback xmlns="">
       <p:transition spd="slow">
         <p:fade/>
       </p:transition>
@@ -2226,7 +2233,7 @@
           <a:p>
             <a:fld id="{E352FA49-33F8-4617-9332-BC3961520BF7}" type="datetimeFigureOut">
               <a:rPr lang="en-US" smtClean="0"/>
-              <a:t>10/27/2024</a:t>
+              <a:t>11/19/2024</a:t>
             </a:fld>
             <a:endParaRPr lang="en-US"/>
           </a:p>
@@ -2284,13 +2291,13 @@
   <p:clrMapOvr>
     <a:masterClrMapping/>
   </p:clrMapOvr>
-  <mc:AlternateContent xmlns:mc="http://schemas.openxmlformats.org/markup-compatibility/2006">
-    <mc:Choice xmlns:p159="http://schemas.microsoft.com/office/powerpoint/2015/09/main" Requires="p159">
+  <mc:AlternateContent xmlns:mc="http://schemas.openxmlformats.org/markup-compatibility/2006" xmlns:p159="http://schemas.microsoft.com/office/powerpoint/2015/09/main">
+    <mc:Choice Requires="p159">
       <p:transition xmlns:p14="http://schemas.microsoft.com/office/powerpoint/2010/main" spd="slow" p14:dur="2000">
         <p159:morph option="byObject"/>
       </p:transition>
     </mc:Choice>
-    <mc:Fallback>
+    <mc:Fallback xmlns="">
       <p:transition spd="slow">
         <p:fade/>
       </p:transition>
@@ -2489,7 +2496,7 @@
           <a:p>
             <a:fld id="{E352FA49-33F8-4617-9332-BC3961520BF7}" type="datetimeFigureOut">
               <a:rPr lang="en-US" smtClean="0"/>
-              <a:t>10/27/2024</a:t>
+              <a:t>11/19/2024</a:t>
             </a:fld>
             <a:endParaRPr lang="en-US"/>
           </a:p>
@@ -2578,13 +2585,13 @@
   <p:clrMapOvr>
     <a:masterClrMapping/>
   </p:clrMapOvr>
-  <mc:AlternateContent xmlns:mc="http://schemas.openxmlformats.org/markup-compatibility/2006">
-    <mc:Choice xmlns:p159="http://schemas.microsoft.com/office/powerpoint/2015/09/main" Requires="p159">
+  <mc:AlternateContent xmlns:mc="http://schemas.openxmlformats.org/markup-compatibility/2006" xmlns:p159="http://schemas.microsoft.com/office/powerpoint/2015/09/main">
+    <mc:Choice Requires="p159">
       <p:transition xmlns:p14="http://schemas.microsoft.com/office/powerpoint/2010/main" spd="slow" p14:dur="2000">
         <p159:morph option="byObject"/>
       </p:transition>
     </mc:Choice>
-    <mc:Fallback>
+    <mc:Fallback xmlns="">
       <p:transition spd="slow">
         <p:fade/>
       </p:transition>
@@ -2946,7 +2953,7 @@
           <a:p>
             <a:fld id="{E352FA49-33F8-4617-9332-BC3961520BF7}" type="datetimeFigureOut">
               <a:rPr lang="en-US" smtClean="0"/>
-              <a:t>10/27/2024</a:t>
+              <a:t>11/19/2024</a:t>
             </a:fld>
             <a:endParaRPr lang="en-US"/>
           </a:p>
@@ -3040,13 +3047,13 @@
   <p:clrMapOvr>
     <a:masterClrMapping/>
   </p:clrMapOvr>
-  <mc:AlternateContent xmlns:mc="http://schemas.openxmlformats.org/markup-compatibility/2006">
-    <mc:Choice xmlns:p159="http://schemas.microsoft.com/office/powerpoint/2015/09/main" Requires="p159">
+  <mc:AlternateContent xmlns:mc="http://schemas.openxmlformats.org/markup-compatibility/2006" xmlns:p159="http://schemas.microsoft.com/office/powerpoint/2015/09/main">
+    <mc:Choice Requires="p159">
       <p:transition xmlns:p14="http://schemas.microsoft.com/office/powerpoint/2010/main" spd="slow" p14:dur="2000">
         <p159:morph option="byObject"/>
       </p:transition>
     </mc:Choice>
-    <mc:Fallback>
+    <mc:Fallback xmlns="">
       <p:transition spd="slow">
         <p:fade/>
       </p:transition>
@@ -3284,7 +3291,7 @@
           <a:p>
             <a:fld id="{E352FA49-33F8-4617-9332-BC3961520BF7}" type="datetimeFigureOut">
               <a:rPr lang="en-US" smtClean="0"/>
-              <a:t>10/27/2024</a:t>
+              <a:t>11/19/2024</a:t>
             </a:fld>
             <a:endParaRPr lang="en-US"/>
           </a:p>
@@ -3424,13 +3431,13 @@
     <p:sldLayoutId id="2147483670" r:id="rId10"/>
     <p:sldLayoutId id="2147483671" r:id="rId11"/>
   </p:sldLayoutIdLst>
-  <mc:AlternateContent xmlns:mc="http://schemas.openxmlformats.org/markup-compatibility/2006">
-    <mc:Choice xmlns:p159="http://schemas.microsoft.com/office/powerpoint/2015/09/main" Requires="p159">
+  <mc:AlternateContent xmlns:mc="http://schemas.openxmlformats.org/markup-compatibility/2006" xmlns:p159="http://schemas.microsoft.com/office/powerpoint/2015/09/main">
+    <mc:Choice Requires="p159">
       <p:transition xmlns:p14="http://schemas.microsoft.com/office/powerpoint/2010/main" spd="slow" p14:dur="2000">
         <p159:morph option="byObject"/>
       </p:transition>
     </mc:Choice>
-    <mc:Fallback>
+    <mc:Fallback xmlns="">
       <p:transition spd="slow">
         <p:fade/>
       </p:transition>
@@ -3858,13 +3865,13 @@
   <p:clrMapOvr>
     <a:masterClrMapping/>
   </p:clrMapOvr>
-  <mc:AlternateContent xmlns:mc="http://schemas.openxmlformats.org/markup-compatibility/2006">
-    <mc:Choice xmlns:p159="http://schemas.microsoft.com/office/powerpoint/2015/09/main" Requires="p159">
+  <mc:AlternateContent xmlns:mc="http://schemas.openxmlformats.org/markup-compatibility/2006" xmlns:p159="http://schemas.microsoft.com/office/powerpoint/2015/09/main">
+    <mc:Choice Requires="p159">
       <p:transition xmlns:p14="http://schemas.microsoft.com/office/powerpoint/2010/main" spd="slow" p14:dur="2000">
         <p159:morph option="byObject"/>
       </p:transition>
     </mc:Choice>
-    <mc:Fallback>
+    <mc:Fallback xmlns="">
       <p:transition spd="slow">
         <p:fade/>
       </p:transition>
@@ -4023,13 +4030,13 @@
   <p:clrMapOvr>
     <a:masterClrMapping/>
   </p:clrMapOvr>
-  <mc:AlternateContent xmlns:mc="http://schemas.openxmlformats.org/markup-compatibility/2006">
-    <mc:Choice xmlns:p159="http://schemas.microsoft.com/office/powerpoint/2015/09/main" Requires="p159">
+  <mc:AlternateContent xmlns:mc="http://schemas.openxmlformats.org/markup-compatibility/2006" xmlns:p159="http://schemas.microsoft.com/office/powerpoint/2015/09/main">
+    <mc:Choice Requires="p159">
       <p:transition xmlns:p14="http://schemas.microsoft.com/office/powerpoint/2010/main" spd="slow" p14:dur="2000">
         <p159:morph option="byObject"/>
       </p:transition>
     </mc:Choice>
-    <mc:Fallback>
+    <mc:Fallback xmlns="">
       <p:transition spd="slow">
         <p:fade/>
       </p:transition>
@@ -4060,7 +4067,7 @@
           <p:cNvPr id="2" name="Title 1">
             <a:extLst>
               <a:ext uri="{FF2B5EF4-FFF2-40B4-BE49-F238E27FC236}">
-                <a16:creationId xmlns:a16="http://schemas.microsoft.com/office/drawing/2014/main" id="{7BD32E45-E125-47B4-93AD-10E77E4DFDF3}"/>
+                <a16:creationId xmlns:a16="http://schemas.microsoft.com/office/drawing/2014/main" id="{31E198EF-B0FC-080A-B076-1DEE0F42EB9F}"/>
               </a:ext>
             </a:extLst>
           </p:cNvPr>
@@ -4077,124 +4084,167 @@
           <a:lstStyle/>
           <a:p>
             <a:r>
-              <a:rPr lang="en-ZA" dirty="0">
-                <a:latin typeface="Calibri" panose="020F0502020204030204" pitchFamily="34" charset="0"/>
-                <a:cs typeface="Calibri" panose="020F0502020204030204" pitchFamily="34" charset="0"/>
-              </a:rPr>
-              <a:t>BENEFITS FOR PATIENTS AND PRACTITIONERS</a:t>
-            </a:r>
-            <a:endParaRPr lang="en-US" dirty="0">
+              <a:rPr lang="en-GB" dirty="0"/>
+              <a:t>Selection of the best solution</a:t>
+            </a:r>
+            <a:endParaRPr lang="en-ZA" dirty="0"/>
+          </a:p>
+        </p:txBody>
+      </p:sp>
+      <p:sp>
+        <p:nvSpPr>
+          <p:cNvPr id="3" name="Content Placeholder 2">
+            <a:extLst>
+              <a:ext uri="{FF2B5EF4-FFF2-40B4-BE49-F238E27FC236}">
+                <a16:creationId xmlns:a16="http://schemas.microsoft.com/office/drawing/2014/main" id="{5FD5929A-AEF1-8DAB-C796-6CB1D7032786}"/>
+              </a:ext>
+            </a:extLst>
+          </p:cNvPr>
+          <p:cNvSpPr>
+            <a:spLocks noGrp="1"/>
+          </p:cNvSpPr>
+          <p:nvPr>
+            <p:ph idx="1"/>
+          </p:nvPr>
+        </p:nvSpPr>
+        <p:spPr>
+          <a:xfrm>
+            <a:off x="1451579" y="2015732"/>
+            <a:ext cx="9603275" cy="4037749"/>
+          </a:xfrm>
+        </p:spPr>
+        <p:txBody>
+          <a:bodyPr>
+            <a:normAutofit fontScale="92500" lnSpcReduction="10000"/>
+          </a:bodyPr>
+          <a:lstStyle/>
+          <a:p>
+            <a:pPr marL="0" indent="0">
+              <a:buNone/>
+            </a:pPr>
+            <a:r>
+              <a:rPr lang="en-GB" sz="2400" b="1" u="sng" dirty="0">
+                <a:latin typeface="Calibri" panose="020F0502020204030204" pitchFamily="34" charset="0"/>
+                <a:cs typeface="Calibri" panose="020F0502020204030204" pitchFamily="34" charset="0"/>
+              </a:rPr>
+              <a:t>Choose the best solution from the following options:</a:t>
+            </a:r>
+          </a:p>
+          <a:p>
+            <a:r>
+              <a:rPr lang="en-GB" sz="2000" dirty="0">
+                <a:latin typeface="Calibri" panose="020F0502020204030204" pitchFamily="34" charset="0"/>
+                <a:cs typeface="Calibri" panose="020F0502020204030204" pitchFamily="34" charset="0"/>
+              </a:rPr>
+              <a:t>Notify symptom matches</a:t>
+            </a:r>
+          </a:p>
+          <a:p>
+            <a:r>
+              <a:rPr lang="en-GB" sz="2000" dirty="0">
+                <a:latin typeface="Calibri" panose="020F0502020204030204" pitchFamily="34" charset="0"/>
+                <a:cs typeface="Calibri" panose="020F0502020204030204" pitchFamily="34" charset="0"/>
+              </a:rPr>
+              <a:t>Educate on cancer</a:t>
+            </a:r>
+          </a:p>
+          <a:p>
+            <a:r>
+              <a:rPr lang="en-GB" sz="2000" dirty="0">
+                <a:latin typeface="Calibri" panose="020F0502020204030204" pitchFamily="34" charset="0"/>
+                <a:cs typeface="Calibri" panose="020F0502020204030204" pitchFamily="34" charset="0"/>
+              </a:rPr>
+              <a:t>Prompt for additional testing</a:t>
+            </a:r>
+          </a:p>
+          <a:p>
+            <a:r>
+              <a:rPr lang="en-GB" sz="2000" dirty="0">
+                <a:latin typeface="Calibri" panose="020F0502020204030204" pitchFamily="34" charset="0"/>
+                <a:cs typeface="Calibri" panose="020F0502020204030204" pitchFamily="34" charset="0"/>
+              </a:rPr>
+              <a:t>EHR for patient condition</a:t>
+            </a:r>
+          </a:p>
+          <a:p>
+            <a:r>
+              <a:rPr lang="en-GB" sz="2000" dirty="0">
+                <a:latin typeface="Calibri" panose="020F0502020204030204" pitchFamily="34" charset="0"/>
+                <a:cs typeface="Calibri" panose="020F0502020204030204" pitchFamily="34" charset="0"/>
+              </a:rPr>
+              <a:t> Symptom severity tracking</a:t>
+            </a:r>
+          </a:p>
+          <a:p>
+            <a:pPr marL="0" indent="0">
+              <a:buNone/>
+            </a:pPr>
+            <a:r>
+              <a:rPr lang="en-GB" sz="2000" b="1" u="sng" dirty="0">
+                <a:latin typeface="Calibri" panose="020F0502020204030204" pitchFamily="34" charset="0"/>
+                <a:cs typeface="Calibri" panose="020F0502020204030204" pitchFamily="34" charset="0"/>
+              </a:rPr>
+              <a:t>Decision Process:</a:t>
+            </a:r>
+          </a:p>
+          <a:p>
+            <a:r>
+              <a:rPr lang="en-GB" sz="2000" b="1" dirty="0">
+                <a:latin typeface="Calibri" panose="020F0502020204030204" pitchFamily="34" charset="0"/>
+                <a:cs typeface="Calibri" panose="020F0502020204030204" pitchFamily="34" charset="0"/>
+              </a:rPr>
+              <a:t>Voting Mechanism</a:t>
+            </a:r>
+            <a:r>
+              <a:rPr lang="en-GB" sz="2000" dirty="0">
+                <a:latin typeface="Calibri" panose="020F0502020204030204" pitchFamily="34" charset="0"/>
+                <a:cs typeface="Calibri" panose="020F0502020204030204" pitchFamily="34" charset="0"/>
+              </a:rPr>
+              <a:t>: Each team member voted on the best solution.</a:t>
+            </a:r>
+          </a:p>
+          <a:p>
+            <a:r>
+              <a:rPr lang="en-GB" sz="2000" b="1" dirty="0">
+                <a:latin typeface="Calibri" panose="020F0502020204030204" pitchFamily="34" charset="0"/>
+                <a:cs typeface="Calibri" panose="020F0502020204030204" pitchFamily="34" charset="0"/>
+              </a:rPr>
+              <a:t>Outcomes</a:t>
+            </a:r>
+            <a:r>
+              <a:rPr lang="en-GB" sz="2000" dirty="0">
+                <a:latin typeface="Calibri" panose="020F0502020204030204" pitchFamily="34" charset="0"/>
+                <a:cs typeface="Calibri" panose="020F0502020204030204" pitchFamily="34" charset="0"/>
+              </a:rPr>
+              <a:t>: The option with the highest points was "Notify Symptom Matches”.</a:t>
+            </a:r>
+            <a:endParaRPr lang="en-ZA" sz="2000" dirty="0">
               <a:latin typeface="Calibri" panose="020F0502020204030204" pitchFamily="34" charset="0"/>
               <a:cs typeface="Calibri" panose="020F0502020204030204" pitchFamily="34" charset="0"/>
             </a:endParaRPr>
           </a:p>
-        </p:txBody>
-      </p:sp>
-      <p:sp>
-        <p:nvSpPr>
-          <p:cNvPr id="3" name="Content Placeholder 2">
-            <a:extLst>
-              <a:ext uri="{FF2B5EF4-FFF2-40B4-BE49-F238E27FC236}">
-                <a16:creationId xmlns:a16="http://schemas.microsoft.com/office/drawing/2014/main" id="{D09F6149-2C80-4A65-857E-22BABF19B394}"/>
-              </a:ext>
-            </a:extLst>
-          </p:cNvPr>
-          <p:cNvSpPr>
-            <a:spLocks noGrp="1"/>
-          </p:cNvSpPr>
-          <p:nvPr>
-            <p:ph idx="1"/>
-          </p:nvPr>
-        </p:nvSpPr>
-        <p:spPr/>
-        <p:txBody>
-          <a:bodyPr/>
-          <a:lstStyle/>
-          <a:p>
-            <a:pPr>
-              <a:lnSpc>
-                <a:spcPct val="150000"/>
-              </a:lnSpc>
-            </a:pPr>
-            <a:r>
-              <a:rPr lang="en-US" b="1" dirty="0">
-                <a:latin typeface="Calibri" panose="020F0502020204030204" pitchFamily="34" charset="0"/>
-                <a:cs typeface="Calibri" panose="020F0502020204030204" pitchFamily="34" charset="0"/>
-              </a:rPr>
-              <a:t>Enhanced Awareness</a:t>
-            </a:r>
-            <a:r>
-              <a:rPr lang="en-US" dirty="0">
-                <a:latin typeface="Calibri" panose="020F0502020204030204" pitchFamily="34" charset="0"/>
-                <a:cs typeface="Calibri" panose="020F0502020204030204" pitchFamily="34" charset="0"/>
-              </a:rPr>
-              <a:t>: Patients gain insight into symptoms, leading to earlier consultation</a:t>
-            </a:r>
-          </a:p>
-          <a:p>
-            <a:pPr>
-              <a:lnSpc>
-                <a:spcPct val="150000"/>
-              </a:lnSpc>
-            </a:pPr>
-            <a:r>
-              <a:rPr lang="en-US" b="1" dirty="0">
-                <a:latin typeface="Calibri" panose="020F0502020204030204" pitchFamily="34" charset="0"/>
-                <a:cs typeface="Calibri" panose="020F0502020204030204" pitchFamily="34" charset="0"/>
-              </a:rPr>
-              <a:t>Support for Healthcare Providers</a:t>
-            </a:r>
-            <a:r>
-              <a:rPr lang="en-US" dirty="0">
-                <a:latin typeface="Calibri" panose="020F0502020204030204" pitchFamily="34" charset="0"/>
-                <a:cs typeface="Calibri" panose="020F0502020204030204" pitchFamily="34" charset="0"/>
-              </a:rPr>
-              <a:t>: Simplifies symptom analysis and referral processes</a:t>
-            </a:r>
-          </a:p>
-          <a:p>
-            <a:pPr>
-              <a:lnSpc>
-                <a:spcPct val="150000"/>
-              </a:lnSpc>
-            </a:pPr>
-            <a:r>
-              <a:rPr lang="en-US" b="1" dirty="0">
-                <a:latin typeface="Calibri" panose="020F0502020204030204" pitchFamily="34" charset="0"/>
-                <a:cs typeface="Calibri" panose="020F0502020204030204" pitchFamily="34" charset="0"/>
-              </a:rPr>
-              <a:t>Goal</a:t>
-            </a:r>
-            <a:r>
-              <a:rPr lang="en-US" dirty="0">
-                <a:latin typeface="Calibri" panose="020F0502020204030204" pitchFamily="34" charset="0"/>
-                <a:cs typeface="Calibri" panose="020F0502020204030204" pitchFamily="34" charset="0"/>
-              </a:rPr>
-              <a:t>: Enable accurate, timely diagnoses to improve survival and reduce treatment delays</a:t>
-            </a:r>
-          </a:p>
-          <a:p>
-            <a:endParaRPr lang="en-US" dirty="0"/>
+          <a:p>
+            <a:endParaRPr lang="en-ZA" dirty="0"/>
           </a:p>
         </p:txBody>
       </p:sp>
     </p:spTree>
     <p:extLst>
       <p:ext uri="{BB962C8B-B14F-4D97-AF65-F5344CB8AC3E}">
-        <p14:creationId xmlns:p14="http://schemas.microsoft.com/office/powerpoint/2010/main" val="2115248508"/>
+        <p14:creationId xmlns:p14="http://schemas.microsoft.com/office/powerpoint/2010/main" val="1843550499"/>
       </p:ext>
     </p:extLst>
   </p:cSld>
   <p:clrMapOvr>
     <a:masterClrMapping/>
   </p:clrMapOvr>
-  <mc:AlternateContent xmlns:mc="http://schemas.openxmlformats.org/markup-compatibility/2006">
-    <mc:Choice xmlns:p159="http://schemas.microsoft.com/office/powerpoint/2015/09/main" Requires="p159">
+  <mc:AlternateContent xmlns:mc="http://schemas.openxmlformats.org/markup-compatibility/2006" xmlns:p159="http://schemas.microsoft.com/office/powerpoint/2015/09/main">
+    <mc:Choice Requires="p159">
       <p:transition xmlns:p14="http://schemas.microsoft.com/office/powerpoint/2010/main" spd="slow" p14:dur="2000">
         <p159:morph option="byObject"/>
       </p:transition>
     </mc:Choice>
-    <mc:Fallback>
+    <mc:Fallback xmlns="">
       <p:transition spd="slow">
         <p:fade/>
       </p:transition>
@@ -4225,6 +4275,371 @@
           <p:cNvPr id="2" name="Title 1">
             <a:extLst>
               <a:ext uri="{FF2B5EF4-FFF2-40B4-BE49-F238E27FC236}">
+                <a16:creationId xmlns:a16="http://schemas.microsoft.com/office/drawing/2014/main" id="{A5742146-F306-F354-61B8-75383DFB31DD}"/>
+              </a:ext>
+            </a:extLst>
+          </p:cNvPr>
+          <p:cNvSpPr>
+            <a:spLocks noGrp="1"/>
+          </p:cNvSpPr>
+          <p:nvPr>
+            <p:ph type="title"/>
+          </p:nvPr>
+        </p:nvSpPr>
+        <p:spPr/>
+        <p:txBody>
+          <a:bodyPr/>
+          <a:lstStyle/>
+          <a:p>
+            <a:r>
+              <a:rPr lang="en-GB" sz="3200" dirty="0">
+                <a:latin typeface="Calibri" panose="020F0502020204030204" pitchFamily="34" charset="0"/>
+                <a:cs typeface="Calibri" panose="020F0502020204030204" pitchFamily="34" charset="0"/>
+              </a:rPr>
+              <a:t>Why "Notify Symptom Matches" Was Chosen:</a:t>
+            </a:r>
+            <a:br>
+              <a:rPr lang="en-GB" sz="3200" b="1" u="sng" dirty="0">
+                <a:latin typeface="Calibri" panose="020F0502020204030204" pitchFamily="34" charset="0"/>
+                <a:cs typeface="Calibri" panose="020F0502020204030204" pitchFamily="34" charset="0"/>
+              </a:rPr>
+            </a:br>
+            <a:endParaRPr lang="en-ZA" dirty="0"/>
+          </a:p>
+        </p:txBody>
+      </p:sp>
+      <p:sp>
+        <p:nvSpPr>
+          <p:cNvPr id="3" name="Content Placeholder 2">
+            <a:extLst>
+              <a:ext uri="{FF2B5EF4-FFF2-40B4-BE49-F238E27FC236}">
+                <a16:creationId xmlns:a16="http://schemas.microsoft.com/office/drawing/2014/main" id="{3A4B1F1F-BE2A-D5EB-4652-9C5600517346}"/>
+              </a:ext>
+            </a:extLst>
+          </p:cNvPr>
+          <p:cNvSpPr>
+            <a:spLocks noGrp="1"/>
+          </p:cNvSpPr>
+          <p:nvPr>
+            <p:ph idx="1"/>
+          </p:nvPr>
+        </p:nvSpPr>
+        <p:spPr/>
+        <p:txBody>
+          <a:bodyPr>
+            <a:normAutofit lnSpcReduction="10000"/>
+          </a:bodyPr>
+          <a:lstStyle/>
+          <a:p>
+            <a:r>
+              <a:rPr lang="en-GB" sz="2000" b="1" dirty="0">
+                <a:latin typeface="Calibri" panose="020F0502020204030204" pitchFamily="34" charset="0"/>
+                <a:cs typeface="Calibri" panose="020F0502020204030204" pitchFamily="34" charset="0"/>
+              </a:rPr>
+              <a:t>Proactive Identification</a:t>
+            </a:r>
+            <a:r>
+              <a:rPr lang="en-GB" sz="2000" dirty="0">
+                <a:latin typeface="Calibri" panose="020F0502020204030204" pitchFamily="34" charset="0"/>
+                <a:cs typeface="Calibri" panose="020F0502020204030204" pitchFamily="34" charset="0"/>
+              </a:rPr>
+              <a:t>: Automatically flags symptoms that match patient conditions.</a:t>
+            </a:r>
+            <a:endParaRPr lang="en-GB" sz="2000" b="1" u="sng" dirty="0">
+              <a:latin typeface="Calibri" panose="020F0502020204030204" pitchFamily="34" charset="0"/>
+              <a:cs typeface="Calibri" panose="020F0502020204030204" pitchFamily="34" charset="0"/>
+            </a:endParaRPr>
+          </a:p>
+          <a:p>
+            <a:r>
+              <a:rPr lang="en-GB" sz="2000" b="1" dirty="0">
+                <a:latin typeface="Calibri" panose="020F0502020204030204" pitchFamily="34" charset="0"/>
+                <a:cs typeface="Calibri" panose="020F0502020204030204" pitchFamily="34" charset="0"/>
+              </a:rPr>
+              <a:t>Prompt Diagnosis:</a:t>
+            </a:r>
+            <a:r>
+              <a:rPr lang="en-GB" sz="2000" dirty="0">
+                <a:latin typeface="Calibri" panose="020F0502020204030204" pitchFamily="34" charset="0"/>
+                <a:cs typeface="Calibri" panose="020F0502020204030204" pitchFamily="34" charset="0"/>
+              </a:rPr>
+              <a:t> If cancer is detected, the system suggests appropriate treatment methods or prompts referral to specialists.</a:t>
+            </a:r>
+            <a:endParaRPr lang="en-GB" sz="2000" b="1" u="sng" dirty="0">
+              <a:latin typeface="Calibri" panose="020F0502020204030204" pitchFamily="34" charset="0"/>
+              <a:cs typeface="Calibri" panose="020F0502020204030204" pitchFamily="34" charset="0"/>
+            </a:endParaRPr>
+          </a:p>
+          <a:p>
+            <a:r>
+              <a:rPr lang="en-ZA" sz="2000" dirty="0">
+                <a:latin typeface="Calibri" panose="020F0502020204030204" pitchFamily="34" charset="0"/>
+                <a:cs typeface="Calibri" panose="020F0502020204030204" pitchFamily="34" charset="0"/>
+              </a:rPr>
+              <a:t>Minimizing Medical Errors</a:t>
+            </a:r>
+            <a:endParaRPr lang="en-GB" sz="2000" b="1" u="sng" dirty="0">
+              <a:latin typeface="Calibri" panose="020F0502020204030204" pitchFamily="34" charset="0"/>
+              <a:cs typeface="Calibri" panose="020F0502020204030204" pitchFamily="34" charset="0"/>
+            </a:endParaRPr>
+          </a:p>
+          <a:p>
+            <a:r>
+              <a:rPr lang="en-GB" sz="2000" b="1" dirty="0">
+                <a:latin typeface="Calibri" panose="020F0502020204030204" pitchFamily="34" charset="0"/>
+                <a:cs typeface="Calibri" panose="020F0502020204030204" pitchFamily="34" charset="0"/>
+              </a:rPr>
+              <a:t>Prevention of Delays:</a:t>
+            </a:r>
+            <a:r>
+              <a:rPr lang="en-GB" sz="2000" dirty="0">
+                <a:latin typeface="Calibri" panose="020F0502020204030204" pitchFamily="34" charset="0"/>
+                <a:cs typeface="Calibri" panose="020F0502020204030204" pitchFamily="34" charset="0"/>
+              </a:rPr>
+              <a:t> Early intervention is possible, reducing the risk of late-stage cancer diagnosis.</a:t>
+            </a:r>
+            <a:endParaRPr lang="en-GB" sz="2000" b="1" u="sng" dirty="0">
+              <a:latin typeface="Calibri" panose="020F0502020204030204" pitchFamily="34" charset="0"/>
+              <a:cs typeface="Calibri" panose="020F0502020204030204" pitchFamily="34" charset="0"/>
+            </a:endParaRPr>
+          </a:p>
+          <a:p>
+            <a:r>
+              <a:rPr lang="en-GB" sz="2000" b="1" dirty="0">
+                <a:latin typeface="Calibri" panose="020F0502020204030204" pitchFamily="34" charset="0"/>
+                <a:cs typeface="Calibri" panose="020F0502020204030204" pitchFamily="34" charset="0"/>
+              </a:rPr>
+              <a:t>Higher Patient Satisfaction:</a:t>
+            </a:r>
+            <a:r>
+              <a:rPr lang="en-GB" sz="2000" dirty="0">
+                <a:latin typeface="Calibri" panose="020F0502020204030204" pitchFamily="34" charset="0"/>
+                <a:cs typeface="Calibri" panose="020F0502020204030204" pitchFamily="34" charset="0"/>
+              </a:rPr>
+              <a:t> By improving diagnosis accuracy and speed, patient trust and satisfaction are enhanced.</a:t>
+            </a:r>
+            <a:endParaRPr lang="en-ZA" sz="2000" b="1" u="sng" dirty="0">
+              <a:latin typeface="Calibri" panose="020F0502020204030204" pitchFamily="34" charset="0"/>
+              <a:cs typeface="Calibri" panose="020F0502020204030204" pitchFamily="34" charset="0"/>
+            </a:endParaRPr>
+          </a:p>
+          <a:p>
+            <a:endParaRPr lang="en-ZA" dirty="0"/>
+          </a:p>
+        </p:txBody>
+      </p:sp>
+    </p:spTree>
+    <p:extLst>
+      <p:ext uri="{BB962C8B-B14F-4D97-AF65-F5344CB8AC3E}">
+        <p14:creationId xmlns:p14="http://schemas.microsoft.com/office/powerpoint/2010/main" val="632132231"/>
+      </p:ext>
+    </p:extLst>
+  </p:cSld>
+  <p:clrMapOvr>
+    <a:masterClrMapping/>
+  </p:clrMapOvr>
+  <mc:AlternateContent xmlns:mc="http://schemas.openxmlformats.org/markup-compatibility/2006" xmlns:p159="http://schemas.microsoft.com/office/powerpoint/2015/09/main">
+    <mc:Choice Requires="p159">
+      <p:transition xmlns:p14="http://schemas.microsoft.com/office/powerpoint/2010/main" spd="slow" p14:dur="2000">
+        <p159:morph option="byObject"/>
+      </p:transition>
+    </mc:Choice>
+    <mc:Fallback xmlns="">
+      <p:transition spd="slow">
+        <p:fade/>
+      </p:transition>
+    </mc:Fallback>
+  </mc:AlternateContent>
+</p:sld>
+</file>
+
+<file path=ppt/slides/slide13.xml><?xml version="1.0" encoding="utf-8"?>
+<p:sld xmlns:a="http://schemas.openxmlformats.org/drawingml/2006/main" xmlns:r="http://schemas.openxmlformats.org/officeDocument/2006/relationships" xmlns:p="http://schemas.openxmlformats.org/presentationml/2006/main">
+  <p:cSld>
+    <p:spTree>
+      <p:nvGrpSpPr>
+        <p:cNvPr id="1" name=""/>
+        <p:cNvGrpSpPr/>
+        <p:nvPr/>
+      </p:nvGrpSpPr>
+      <p:grpSpPr>
+        <a:xfrm>
+          <a:off x="0" y="0"/>
+          <a:ext cx="0" cy="0"/>
+          <a:chOff x="0" y="0"/>
+          <a:chExt cx="0" cy="0"/>
+        </a:xfrm>
+      </p:grpSpPr>
+      <p:sp>
+        <p:nvSpPr>
+          <p:cNvPr id="2" name="Title 1">
+            <a:extLst>
+              <a:ext uri="{FF2B5EF4-FFF2-40B4-BE49-F238E27FC236}">
+                <a16:creationId xmlns:a16="http://schemas.microsoft.com/office/drawing/2014/main" id="{7BD32E45-E125-47B4-93AD-10E77E4DFDF3}"/>
+              </a:ext>
+            </a:extLst>
+          </p:cNvPr>
+          <p:cNvSpPr>
+            <a:spLocks noGrp="1"/>
+          </p:cNvSpPr>
+          <p:nvPr>
+            <p:ph type="title"/>
+          </p:nvPr>
+        </p:nvSpPr>
+        <p:spPr/>
+        <p:txBody>
+          <a:bodyPr/>
+          <a:lstStyle/>
+          <a:p>
+            <a:r>
+              <a:rPr lang="en-ZA" dirty="0">
+                <a:latin typeface="Calibri" panose="020F0502020204030204" pitchFamily="34" charset="0"/>
+                <a:cs typeface="Calibri" panose="020F0502020204030204" pitchFamily="34" charset="0"/>
+              </a:rPr>
+              <a:t>BENEFITS FOR PATIENTS AND PRACTITIONERS</a:t>
+            </a:r>
+            <a:endParaRPr lang="en-US" dirty="0">
+              <a:latin typeface="Calibri" panose="020F0502020204030204" pitchFamily="34" charset="0"/>
+              <a:cs typeface="Calibri" panose="020F0502020204030204" pitchFamily="34" charset="0"/>
+            </a:endParaRPr>
+          </a:p>
+        </p:txBody>
+      </p:sp>
+      <p:sp>
+        <p:nvSpPr>
+          <p:cNvPr id="3" name="Content Placeholder 2">
+            <a:extLst>
+              <a:ext uri="{FF2B5EF4-FFF2-40B4-BE49-F238E27FC236}">
+                <a16:creationId xmlns:a16="http://schemas.microsoft.com/office/drawing/2014/main" id="{D09F6149-2C80-4A65-857E-22BABF19B394}"/>
+              </a:ext>
+            </a:extLst>
+          </p:cNvPr>
+          <p:cNvSpPr>
+            <a:spLocks noGrp="1"/>
+          </p:cNvSpPr>
+          <p:nvPr>
+            <p:ph idx="1"/>
+          </p:nvPr>
+        </p:nvSpPr>
+        <p:spPr/>
+        <p:txBody>
+          <a:bodyPr/>
+          <a:lstStyle/>
+          <a:p>
+            <a:pPr>
+              <a:lnSpc>
+                <a:spcPct val="150000"/>
+              </a:lnSpc>
+            </a:pPr>
+            <a:r>
+              <a:rPr lang="en-US" b="1" dirty="0">
+                <a:latin typeface="Calibri" panose="020F0502020204030204" pitchFamily="34" charset="0"/>
+                <a:cs typeface="Calibri" panose="020F0502020204030204" pitchFamily="34" charset="0"/>
+              </a:rPr>
+              <a:t>Enhanced Awareness</a:t>
+            </a:r>
+            <a:r>
+              <a:rPr lang="en-US" dirty="0">
+                <a:latin typeface="Calibri" panose="020F0502020204030204" pitchFamily="34" charset="0"/>
+                <a:cs typeface="Calibri" panose="020F0502020204030204" pitchFamily="34" charset="0"/>
+              </a:rPr>
+              <a:t>: Patients gain insight into symptoms, leading to earlier consultation</a:t>
+            </a:r>
+          </a:p>
+          <a:p>
+            <a:pPr>
+              <a:lnSpc>
+                <a:spcPct val="150000"/>
+              </a:lnSpc>
+            </a:pPr>
+            <a:r>
+              <a:rPr lang="en-US" b="1" dirty="0">
+                <a:latin typeface="Calibri" panose="020F0502020204030204" pitchFamily="34" charset="0"/>
+                <a:cs typeface="Calibri" panose="020F0502020204030204" pitchFamily="34" charset="0"/>
+              </a:rPr>
+              <a:t>Support for Healthcare Providers</a:t>
+            </a:r>
+            <a:r>
+              <a:rPr lang="en-US" dirty="0">
+                <a:latin typeface="Calibri" panose="020F0502020204030204" pitchFamily="34" charset="0"/>
+                <a:cs typeface="Calibri" panose="020F0502020204030204" pitchFamily="34" charset="0"/>
+              </a:rPr>
+              <a:t>: Simplifies symptom analysis and referral processes</a:t>
+            </a:r>
+          </a:p>
+          <a:p>
+            <a:pPr>
+              <a:lnSpc>
+                <a:spcPct val="150000"/>
+              </a:lnSpc>
+            </a:pPr>
+            <a:r>
+              <a:rPr lang="en-US" b="1" dirty="0">
+                <a:latin typeface="Calibri" panose="020F0502020204030204" pitchFamily="34" charset="0"/>
+                <a:cs typeface="Calibri" panose="020F0502020204030204" pitchFamily="34" charset="0"/>
+              </a:rPr>
+              <a:t>Goal</a:t>
+            </a:r>
+            <a:r>
+              <a:rPr lang="en-US" dirty="0">
+                <a:latin typeface="Calibri" panose="020F0502020204030204" pitchFamily="34" charset="0"/>
+                <a:cs typeface="Calibri" panose="020F0502020204030204" pitchFamily="34" charset="0"/>
+              </a:rPr>
+              <a:t>: Enable accurate, timely diagnoses to improve survival and reduce treatment delays</a:t>
+            </a:r>
+          </a:p>
+          <a:p>
+            <a:endParaRPr lang="en-US" dirty="0"/>
+          </a:p>
+        </p:txBody>
+      </p:sp>
+    </p:spTree>
+    <p:extLst>
+      <p:ext uri="{BB962C8B-B14F-4D97-AF65-F5344CB8AC3E}">
+        <p14:creationId xmlns:p14="http://schemas.microsoft.com/office/powerpoint/2010/main" val="2115248508"/>
+      </p:ext>
+    </p:extLst>
+  </p:cSld>
+  <p:clrMapOvr>
+    <a:masterClrMapping/>
+  </p:clrMapOvr>
+  <mc:AlternateContent xmlns:mc="http://schemas.openxmlformats.org/markup-compatibility/2006" xmlns:p159="http://schemas.microsoft.com/office/powerpoint/2015/09/main">
+    <mc:Choice Requires="p159">
+      <p:transition xmlns:p14="http://schemas.microsoft.com/office/powerpoint/2010/main" spd="slow" p14:dur="2000">
+        <p159:morph option="byObject"/>
+      </p:transition>
+    </mc:Choice>
+    <mc:Fallback xmlns="">
+      <p:transition spd="slow">
+        <p:fade/>
+      </p:transition>
+    </mc:Fallback>
+  </mc:AlternateContent>
+</p:sld>
+</file>
+
+<file path=ppt/slides/slide14.xml><?xml version="1.0" encoding="utf-8"?>
+<p:sld xmlns:a="http://schemas.openxmlformats.org/drawingml/2006/main" xmlns:r="http://schemas.openxmlformats.org/officeDocument/2006/relationships" xmlns:p="http://schemas.openxmlformats.org/presentationml/2006/main">
+  <p:cSld>
+    <p:spTree>
+      <p:nvGrpSpPr>
+        <p:cNvPr id="1" name=""/>
+        <p:cNvGrpSpPr/>
+        <p:nvPr/>
+      </p:nvGrpSpPr>
+      <p:grpSpPr>
+        <a:xfrm>
+          <a:off x="0" y="0"/>
+          <a:ext cx="0" cy="0"/>
+          <a:chOff x="0" y="0"/>
+          <a:chExt cx="0" cy="0"/>
+        </a:xfrm>
+      </p:grpSpPr>
+      <p:sp>
+        <p:nvSpPr>
+          <p:cNvPr id="2" name="Title 1">
+            <a:extLst>
+              <a:ext uri="{FF2B5EF4-FFF2-40B4-BE49-F238E27FC236}">
                 <a16:creationId xmlns:a16="http://schemas.microsoft.com/office/drawing/2014/main" id="{FF133444-81ED-4E67-BD64-097E083A4FE6}"/>
               </a:ext>
             </a:extLst>
@@ -4329,13 +4744,13 @@
   <p:clrMapOvr>
     <a:masterClrMapping/>
   </p:clrMapOvr>
-  <mc:AlternateContent xmlns:mc="http://schemas.openxmlformats.org/markup-compatibility/2006">
-    <mc:Choice xmlns:p159="http://schemas.microsoft.com/office/powerpoint/2015/09/main" Requires="p159">
+  <mc:AlternateContent xmlns:mc="http://schemas.openxmlformats.org/markup-compatibility/2006" xmlns:p159="http://schemas.microsoft.com/office/powerpoint/2015/09/main">
+    <mc:Choice Requires="p159">
       <p:transition xmlns:p14="http://schemas.microsoft.com/office/powerpoint/2010/main" spd="slow" p14:dur="2000">
         <p159:morph option="byObject"/>
       </p:transition>
     </mc:Choice>
-    <mc:Fallback>
+    <mc:Fallback xmlns="">
       <p:transition spd="slow">
         <p:fade/>
       </p:transition>
@@ -4344,7 +4759,7 @@
 </p:sld>
 </file>
 
-<file path=ppt/slides/slide13.xml><?xml version="1.0" encoding="utf-8"?>
+<file path=ppt/slides/slide15.xml><?xml version="1.0" encoding="utf-8"?>
 <p:sld xmlns:a="http://schemas.openxmlformats.org/drawingml/2006/main" xmlns:r="http://schemas.openxmlformats.org/officeDocument/2006/relationships" xmlns:p="http://schemas.openxmlformats.org/presentationml/2006/main">
   <p:cSld>
     <p:spTree>
@@ -4575,370 +4990,13 @@
   <p:clrMapOvr>
     <a:masterClrMapping/>
   </p:clrMapOvr>
-  <mc:AlternateContent xmlns:mc="http://schemas.openxmlformats.org/markup-compatibility/2006">
-    <mc:Choice xmlns:p159="http://schemas.microsoft.com/office/powerpoint/2015/09/main" Requires="p159">
+  <mc:AlternateContent xmlns:mc="http://schemas.openxmlformats.org/markup-compatibility/2006" xmlns:p159="http://schemas.microsoft.com/office/powerpoint/2015/09/main">
+    <mc:Choice Requires="p159">
       <p:transition xmlns:p14="http://schemas.microsoft.com/office/powerpoint/2010/main" spd="slow" p14:dur="2000">
         <p159:morph option="byObject"/>
       </p:transition>
     </mc:Choice>
-    <mc:Fallback>
-      <p:transition spd="slow">
-        <p:fade/>
-      </p:transition>
-    </mc:Fallback>
-  </mc:AlternateContent>
-</p:sld>
-</file>
-
-<file path=ppt/slides/slide14.xml><?xml version="1.0" encoding="utf-8"?>
-<p:sld xmlns:a="http://schemas.openxmlformats.org/drawingml/2006/main" xmlns:r="http://schemas.openxmlformats.org/officeDocument/2006/relationships" xmlns:p="http://schemas.openxmlformats.org/presentationml/2006/main">
-  <p:cSld>
-    <p:spTree>
-      <p:nvGrpSpPr>
-        <p:cNvPr id="1" name=""/>
-        <p:cNvGrpSpPr/>
-        <p:nvPr/>
-      </p:nvGrpSpPr>
-      <p:grpSpPr>
-        <a:xfrm>
-          <a:off x="0" y="0"/>
-          <a:ext cx="0" cy="0"/>
-          <a:chOff x="0" y="0"/>
-          <a:chExt cx="0" cy="0"/>
-        </a:xfrm>
-      </p:grpSpPr>
-      <p:sp>
-        <p:nvSpPr>
-          <p:cNvPr id="2" name="Title 1">
-            <a:extLst>
-              <a:ext uri="{FF2B5EF4-FFF2-40B4-BE49-F238E27FC236}">
-                <a16:creationId xmlns:a16="http://schemas.microsoft.com/office/drawing/2014/main" id="{E724D8A5-9804-4D65-B3D2-E35ED3F35CE6}"/>
-              </a:ext>
-            </a:extLst>
-          </p:cNvPr>
-          <p:cNvSpPr>
-            <a:spLocks noGrp="1"/>
-          </p:cNvSpPr>
-          <p:nvPr>
-            <p:ph type="title"/>
-          </p:nvPr>
-        </p:nvSpPr>
-        <p:spPr/>
-        <p:txBody>
-          <a:bodyPr/>
-          <a:lstStyle/>
-          <a:p>
-            <a:r>
-              <a:rPr lang="en-ZA" dirty="0">
-                <a:latin typeface="Calibri" panose="020F0502020204030204" pitchFamily="34" charset="0"/>
-                <a:cs typeface="Calibri" panose="020F0502020204030204" pitchFamily="34" charset="0"/>
-              </a:rPr>
-              <a:t>Aspects to consider</a:t>
-            </a:r>
-            <a:endParaRPr lang="en-US" dirty="0">
-              <a:latin typeface="Calibri" panose="020F0502020204030204" pitchFamily="34" charset="0"/>
-              <a:cs typeface="Calibri" panose="020F0502020204030204" pitchFamily="34" charset="0"/>
-            </a:endParaRPr>
-          </a:p>
-        </p:txBody>
-      </p:sp>
-      <p:sp>
-        <p:nvSpPr>
-          <p:cNvPr id="3" name="Content Placeholder 2">
-            <a:extLst>
-              <a:ext uri="{FF2B5EF4-FFF2-40B4-BE49-F238E27FC236}">
-                <a16:creationId xmlns:a16="http://schemas.microsoft.com/office/drawing/2014/main" id="{2B164B75-4707-423F-B96B-0C267299FF79}"/>
-              </a:ext>
-            </a:extLst>
-          </p:cNvPr>
-          <p:cNvSpPr>
-            <a:spLocks noGrp="1"/>
-          </p:cNvSpPr>
-          <p:nvPr>
-            <p:ph idx="1"/>
-          </p:nvPr>
-        </p:nvSpPr>
-        <p:spPr/>
-        <p:txBody>
-          <a:bodyPr numCol="2"/>
-          <a:lstStyle/>
-          <a:p>
-            <a:r>
-              <a:rPr lang="en-ZA" b="1" dirty="0">
-                <a:latin typeface="Calibri" panose="020F0502020204030204" pitchFamily="34" charset="0"/>
-                <a:cs typeface="Calibri" panose="020F0502020204030204" pitchFamily="34" charset="0"/>
-              </a:rPr>
-              <a:t>CDSS</a:t>
-            </a:r>
-          </a:p>
-          <a:p>
-            <a:r>
-              <a:rPr lang="en-ZA" dirty="0">
-                <a:latin typeface="Calibri" panose="020F0502020204030204" pitchFamily="34" charset="0"/>
-                <a:cs typeface="Calibri" panose="020F0502020204030204" pitchFamily="34" charset="0"/>
-              </a:rPr>
-              <a:t>Recommendations:</a:t>
-            </a:r>
-          </a:p>
-          <a:p>
-            <a:pPr lvl="1"/>
-            <a:r>
-              <a:rPr lang="en-ZA" dirty="0">
-                <a:latin typeface="Calibri" panose="020F0502020204030204" pitchFamily="34" charset="0"/>
-                <a:cs typeface="Calibri" panose="020F0502020204030204" pitchFamily="34" charset="0"/>
-              </a:rPr>
-              <a:t>Demographics.</a:t>
-            </a:r>
-          </a:p>
-          <a:p>
-            <a:pPr lvl="1"/>
-            <a:r>
-              <a:rPr lang="en-ZA" dirty="0">
-                <a:latin typeface="Calibri" panose="020F0502020204030204" pitchFamily="34" charset="0"/>
-                <a:cs typeface="Calibri" panose="020F0502020204030204" pitchFamily="34" charset="0"/>
-              </a:rPr>
-              <a:t>Health progression</a:t>
-            </a:r>
-          </a:p>
-          <a:p>
-            <a:pPr lvl="1"/>
-            <a:endParaRPr lang="en-ZA" dirty="0">
-              <a:latin typeface="Calibri" panose="020F0502020204030204" pitchFamily="34" charset="0"/>
-              <a:cs typeface="Calibri" panose="020F0502020204030204" pitchFamily="34" charset="0"/>
-            </a:endParaRPr>
-          </a:p>
-          <a:p>
-            <a:pPr lvl="1"/>
-            <a:endParaRPr lang="en-ZA" dirty="0">
-              <a:latin typeface="Calibri" panose="020F0502020204030204" pitchFamily="34" charset="0"/>
-              <a:cs typeface="Calibri" panose="020F0502020204030204" pitchFamily="34" charset="0"/>
-            </a:endParaRPr>
-          </a:p>
-          <a:p>
-            <a:pPr lvl="1"/>
-            <a:endParaRPr lang="en-ZA" dirty="0">
-              <a:latin typeface="Calibri" panose="020F0502020204030204" pitchFamily="34" charset="0"/>
-              <a:cs typeface="Calibri" panose="020F0502020204030204" pitchFamily="34" charset="0"/>
-            </a:endParaRPr>
-          </a:p>
-          <a:p>
-            <a:pPr lvl="1"/>
-            <a:endParaRPr lang="en-ZA" dirty="0">
-              <a:latin typeface="Calibri" panose="020F0502020204030204" pitchFamily="34" charset="0"/>
-              <a:cs typeface="Calibri" panose="020F0502020204030204" pitchFamily="34" charset="0"/>
-            </a:endParaRPr>
-          </a:p>
-          <a:p>
-            <a:pPr lvl="1"/>
-            <a:r>
-              <a:rPr lang="en-ZA" b="1" dirty="0">
-                <a:latin typeface="Calibri" panose="020F0502020204030204" pitchFamily="34" charset="0"/>
-                <a:cs typeface="Calibri" panose="020F0502020204030204" pitchFamily="34" charset="0"/>
-              </a:rPr>
-              <a:t>Questionnaire</a:t>
-            </a:r>
-          </a:p>
-          <a:p>
-            <a:pPr lvl="2"/>
-            <a:r>
-              <a:rPr lang="en-ZA" dirty="0">
-                <a:latin typeface="Calibri" panose="020F0502020204030204" pitchFamily="34" charset="0"/>
-                <a:cs typeface="Calibri" panose="020F0502020204030204" pitchFamily="34" charset="0"/>
-              </a:rPr>
-              <a:t>Challenges</a:t>
-            </a:r>
-          </a:p>
-          <a:p>
-            <a:pPr lvl="1"/>
-            <a:r>
-              <a:rPr lang="en-ZA" dirty="0">
-                <a:latin typeface="Calibri" panose="020F0502020204030204" pitchFamily="34" charset="0"/>
-                <a:cs typeface="Calibri" panose="020F0502020204030204" pitchFamily="34" charset="0"/>
-              </a:rPr>
-              <a:t>Recommendations:</a:t>
-            </a:r>
-          </a:p>
-          <a:p>
-            <a:pPr lvl="2"/>
-            <a:r>
-              <a:rPr lang="en-ZA" dirty="0">
-                <a:latin typeface="Calibri" panose="020F0502020204030204" pitchFamily="34" charset="0"/>
-                <a:cs typeface="Calibri" panose="020F0502020204030204" pitchFamily="34" charset="0"/>
-              </a:rPr>
-              <a:t>Training</a:t>
-            </a:r>
-          </a:p>
-          <a:p>
-            <a:pPr lvl="2"/>
-            <a:r>
-              <a:rPr lang="en-ZA" dirty="0">
-                <a:latin typeface="Calibri" panose="020F0502020204030204" pitchFamily="34" charset="0"/>
-                <a:cs typeface="Calibri" panose="020F0502020204030204" pitchFamily="34" charset="0"/>
-              </a:rPr>
-              <a:t>Raising awareness</a:t>
-            </a:r>
-            <a:endParaRPr lang="en-US" dirty="0">
-              <a:latin typeface="Calibri" panose="020F0502020204030204" pitchFamily="34" charset="0"/>
-              <a:cs typeface="Calibri" panose="020F0502020204030204" pitchFamily="34" charset="0"/>
-            </a:endParaRPr>
-          </a:p>
-        </p:txBody>
-      </p:sp>
-    </p:spTree>
-    <p:extLst>
-      <p:ext uri="{BB962C8B-B14F-4D97-AF65-F5344CB8AC3E}">
-        <p14:creationId xmlns:p14="http://schemas.microsoft.com/office/powerpoint/2010/main" val="3929142942"/>
-      </p:ext>
-    </p:extLst>
-  </p:cSld>
-  <p:clrMapOvr>
-    <a:masterClrMapping/>
-  </p:clrMapOvr>
-  <mc:AlternateContent xmlns:mc="http://schemas.openxmlformats.org/markup-compatibility/2006">
-    <mc:Choice xmlns:p159="http://schemas.microsoft.com/office/powerpoint/2015/09/main" Requires="p159">
-      <p:transition xmlns:p14="http://schemas.microsoft.com/office/powerpoint/2010/main" spd="slow" p14:dur="2000">
-        <p159:morph option="byObject"/>
-      </p:transition>
-    </mc:Choice>
-    <mc:Fallback>
-      <p:transition spd="slow">
-        <p:fade/>
-      </p:transition>
-    </mc:Fallback>
-  </mc:AlternateContent>
-</p:sld>
-</file>
-
-<file path=ppt/slides/slide15.xml><?xml version="1.0" encoding="utf-8"?>
-<p:sld xmlns:a="http://schemas.openxmlformats.org/drawingml/2006/main" xmlns:r="http://schemas.openxmlformats.org/officeDocument/2006/relationships" xmlns:p="http://schemas.openxmlformats.org/presentationml/2006/main">
-  <p:cSld>
-    <p:spTree>
-      <p:nvGrpSpPr>
-        <p:cNvPr id="1" name=""/>
-        <p:cNvGrpSpPr/>
-        <p:nvPr/>
-      </p:nvGrpSpPr>
-      <p:grpSpPr>
-        <a:xfrm>
-          <a:off x="0" y="0"/>
-          <a:ext cx="0" cy="0"/>
-          <a:chOff x="0" y="0"/>
-          <a:chExt cx="0" cy="0"/>
-        </a:xfrm>
-      </p:grpSpPr>
-      <p:sp>
-        <p:nvSpPr>
-          <p:cNvPr id="2" name="Title 1">
-            <a:extLst>
-              <a:ext uri="{FF2B5EF4-FFF2-40B4-BE49-F238E27FC236}">
-                <a16:creationId xmlns:a16="http://schemas.microsoft.com/office/drawing/2014/main" id="{EB64AD43-D681-4905-9B32-844D4B54B2D6}"/>
-              </a:ext>
-            </a:extLst>
-          </p:cNvPr>
-          <p:cNvSpPr>
-            <a:spLocks noGrp="1"/>
-          </p:cNvSpPr>
-          <p:nvPr>
-            <p:ph type="title"/>
-          </p:nvPr>
-        </p:nvSpPr>
-        <p:spPr/>
-        <p:txBody>
-          <a:bodyPr/>
-          <a:lstStyle/>
-          <a:p>
-            <a:r>
-              <a:rPr lang="en-ZA" dirty="0">
-                <a:latin typeface="Calibri" panose="020F0502020204030204" pitchFamily="34" charset="0"/>
-                <a:cs typeface="Calibri" panose="020F0502020204030204" pitchFamily="34" charset="0"/>
-              </a:rPr>
-              <a:t>evaluation</a:t>
-            </a:r>
-            <a:endParaRPr lang="en-US" dirty="0">
-              <a:latin typeface="Calibri" panose="020F0502020204030204" pitchFamily="34" charset="0"/>
-              <a:cs typeface="Calibri" panose="020F0502020204030204" pitchFamily="34" charset="0"/>
-            </a:endParaRPr>
-          </a:p>
-        </p:txBody>
-      </p:sp>
-      <p:sp>
-        <p:nvSpPr>
-          <p:cNvPr id="3" name="Content Placeholder 2">
-            <a:extLst>
-              <a:ext uri="{FF2B5EF4-FFF2-40B4-BE49-F238E27FC236}">
-                <a16:creationId xmlns:a16="http://schemas.microsoft.com/office/drawing/2014/main" id="{656FBCB7-70D4-4D71-929C-C845F1C3C240}"/>
-              </a:ext>
-            </a:extLst>
-          </p:cNvPr>
-          <p:cNvSpPr>
-            <a:spLocks noGrp="1"/>
-          </p:cNvSpPr>
-          <p:nvPr>
-            <p:ph idx="1"/>
-          </p:nvPr>
-        </p:nvSpPr>
-        <p:spPr/>
-        <p:txBody>
-          <a:bodyPr/>
-          <a:lstStyle/>
-          <a:p>
-            <a:r>
-              <a:rPr lang="en-ZA" dirty="0">
-                <a:latin typeface="Calibri" panose="020F0502020204030204" pitchFamily="34" charset="0"/>
-                <a:cs typeface="Calibri" panose="020F0502020204030204" pitchFamily="34" charset="0"/>
-              </a:rPr>
-              <a:t>Goal of the potential impact implementing a CDSS</a:t>
-            </a:r>
-          </a:p>
-          <a:p>
-            <a:r>
-              <a:rPr lang="en-ZA" dirty="0">
-                <a:latin typeface="Calibri" panose="020F0502020204030204" pitchFamily="34" charset="0"/>
-                <a:cs typeface="Calibri" panose="020F0502020204030204" pitchFamily="34" charset="0"/>
-              </a:rPr>
-              <a:t>Achievements </a:t>
-            </a:r>
-          </a:p>
-          <a:p>
-            <a:r>
-              <a:rPr lang="en-ZA" dirty="0">
-                <a:latin typeface="Calibri" panose="020F0502020204030204" pitchFamily="34" charset="0"/>
-                <a:cs typeface="Calibri" panose="020F0502020204030204" pitchFamily="34" charset="0"/>
-              </a:rPr>
-              <a:t>Limitations/Constraints</a:t>
-            </a:r>
-          </a:p>
-          <a:p>
-            <a:r>
-              <a:rPr lang="en-ZA" dirty="0">
-                <a:latin typeface="Calibri" panose="020F0502020204030204" pitchFamily="34" charset="0"/>
-                <a:cs typeface="Calibri" panose="020F0502020204030204" pitchFamily="34" charset="0"/>
-              </a:rPr>
-              <a:t>Recommendations</a:t>
-            </a:r>
-          </a:p>
-          <a:p>
-            <a:endParaRPr lang="en-US" dirty="0"/>
-          </a:p>
-        </p:txBody>
-      </p:sp>
-    </p:spTree>
-    <p:extLst>
-      <p:ext uri="{BB962C8B-B14F-4D97-AF65-F5344CB8AC3E}">
-        <p14:creationId xmlns:p14="http://schemas.microsoft.com/office/powerpoint/2010/main" val="2553020786"/>
-      </p:ext>
-    </p:extLst>
-  </p:cSld>
-  <p:clrMapOvr>
-    <a:masterClrMapping/>
-  </p:clrMapOvr>
-  <mc:AlternateContent xmlns:mc="http://schemas.openxmlformats.org/markup-compatibility/2006">
-    <mc:Choice xmlns:p159="http://schemas.microsoft.com/office/powerpoint/2015/09/main" Requires="p159">
-      <p:transition xmlns:p14="http://schemas.microsoft.com/office/powerpoint/2010/main" spd="slow" p14:dur="2000">
-        <p159:morph option="byObject"/>
-      </p:transition>
-    </mc:Choice>
-    <mc:Fallback>
+    <mc:Fallback xmlns="">
       <p:transition spd="slow">
         <p:fade/>
       </p:transition>
@@ -4969,7 +5027,7 @@
           <p:cNvPr id="2" name="Title 1">
             <a:extLst>
               <a:ext uri="{FF2B5EF4-FFF2-40B4-BE49-F238E27FC236}">
-                <a16:creationId xmlns:a16="http://schemas.microsoft.com/office/drawing/2014/main" id="{BF6E3046-A749-4901-97A3-84DF54EB1CDD}"/>
+                <a16:creationId xmlns:a16="http://schemas.microsoft.com/office/drawing/2014/main" id="{E724D8A5-9804-4D65-B3D2-E35ED3F35CE6}"/>
               </a:ext>
             </a:extLst>
           </p:cNvPr>
@@ -4990,100 +5048,174 @@
                 <a:latin typeface="Calibri" panose="020F0502020204030204" pitchFamily="34" charset="0"/>
                 <a:cs typeface="Calibri" panose="020F0502020204030204" pitchFamily="34" charset="0"/>
               </a:rPr>
-              <a:t>IMPACT OF THE MANAGEMENT STRATEGY</a:t>
-            </a:r>
-            <a:endParaRPr lang="en-US" dirty="0"/>
-          </a:p>
-        </p:txBody>
-      </p:sp>
-      <p:sp>
-        <p:nvSpPr>
-          <p:cNvPr id="3" name="Content Placeholder 2">
-            <a:extLst>
-              <a:ext uri="{FF2B5EF4-FFF2-40B4-BE49-F238E27FC236}">
-                <a16:creationId xmlns:a16="http://schemas.microsoft.com/office/drawing/2014/main" id="{3B7F2E75-8580-4659-9E30-8604D8B38673}"/>
-              </a:ext>
-            </a:extLst>
-          </p:cNvPr>
-          <p:cNvSpPr>
-            <a:spLocks noGrp="1"/>
-          </p:cNvSpPr>
-          <p:nvPr>
-            <p:ph idx="1"/>
-          </p:nvPr>
-        </p:nvSpPr>
-        <p:spPr/>
-        <p:txBody>
-          <a:bodyPr/>
-          <a:lstStyle/>
-          <a:p>
-            <a:r>
-              <a:rPr lang="en-ZA" b="1" dirty="0">
-                <a:latin typeface="Calibri" panose="020F0502020204030204" pitchFamily="34" charset="0"/>
-                <a:cs typeface="Calibri" panose="020F0502020204030204" pitchFamily="34" charset="0"/>
-              </a:rPr>
-              <a:t>Overview of key focus areas:</a:t>
-            </a:r>
-          </a:p>
-          <a:p>
-            <a:pPr lvl="1"/>
-            <a:r>
-              <a:rPr lang="en-ZA" dirty="0">
-                <a:latin typeface="Calibri" panose="020F0502020204030204" pitchFamily="34" charset="0"/>
-                <a:cs typeface="Calibri" panose="020F0502020204030204" pitchFamily="34" charset="0"/>
-              </a:rPr>
-              <a:t>Nursing Management.</a:t>
-            </a:r>
-          </a:p>
-          <a:p>
-            <a:pPr lvl="1"/>
-            <a:r>
-              <a:rPr lang="en-ZA" dirty="0">
-                <a:latin typeface="Calibri" panose="020F0502020204030204" pitchFamily="34" charset="0"/>
-                <a:cs typeface="Calibri" panose="020F0502020204030204" pitchFamily="34" charset="0"/>
-              </a:rPr>
-              <a:t>Nursing Care.</a:t>
-            </a:r>
-          </a:p>
-          <a:p>
-            <a:pPr lvl="1"/>
-            <a:r>
-              <a:rPr lang="en-ZA" dirty="0">
-                <a:latin typeface="Calibri" panose="020F0502020204030204" pitchFamily="34" charset="0"/>
-                <a:cs typeface="Calibri" panose="020F0502020204030204" pitchFamily="34" charset="0"/>
-              </a:rPr>
-              <a:t>Patient Outcomes.</a:t>
+              <a:t>Aspects to consider</a:t>
             </a:r>
             <a:endParaRPr lang="en-US" dirty="0">
               <a:latin typeface="Calibri" panose="020F0502020204030204" pitchFamily="34" charset="0"/>
               <a:cs typeface="Calibri" panose="020F0502020204030204" pitchFamily="34" charset="0"/>
             </a:endParaRPr>
           </a:p>
-          <a:p>
-            <a:endParaRPr lang="en-US" dirty="0"/>
-          </a:p>
-          <a:p>
-            <a:endParaRPr lang="en-US" dirty="0"/>
+        </p:txBody>
+      </p:sp>
+      <p:sp>
+        <p:nvSpPr>
+          <p:cNvPr id="3" name="Content Placeholder 2">
+            <a:extLst>
+              <a:ext uri="{FF2B5EF4-FFF2-40B4-BE49-F238E27FC236}">
+                <a16:creationId xmlns:a16="http://schemas.microsoft.com/office/drawing/2014/main" id="{2B164B75-4707-423F-B96B-0C267299FF79}"/>
+              </a:ext>
+            </a:extLst>
+          </p:cNvPr>
+          <p:cNvSpPr>
+            <a:spLocks noGrp="1"/>
+          </p:cNvSpPr>
+          <p:nvPr>
+            <p:ph idx="1"/>
+          </p:nvPr>
+        </p:nvSpPr>
+        <p:spPr/>
+        <p:txBody>
+          <a:bodyPr numCol="2"/>
+          <a:lstStyle/>
+          <a:p>
+            <a:r>
+              <a:rPr lang="en-ZA" b="1" dirty="0">
+                <a:latin typeface="Calibri" panose="020F0502020204030204" pitchFamily="34" charset="0"/>
+                <a:cs typeface="Calibri" panose="020F0502020204030204" pitchFamily="34" charset="0"/>
+              </a:rPr>
+              <a:t>CDSS</a:t>
+            </a:r>
+          </a:p>
+          <a:p>
+            <a:r>
+              <a:rPr lang="en-ZA" dirty="0">
+                <a:latin typeface="Calibri" panose="020F0502020204030204" pitchFamily="34" charset="0"/>
+                <a:cs typeface="Calibri" panose="020F0502020204030204" pitchFamily="34" charset="0"/>
+              </a:rPr>
+              <a:t>Recommendations:</a:t>
+            </a:r>
+          </a:p>
+          <a:p>
+            <a:pPr lvl="1"/>
+            <a:r>
+              <a:rPr lang="en-ZA" dirty="0">
+                <a:latin typeface="Calibri" panose="020F0502020204030204" pitchFamily="34" charset="0"/>
+                <a:cs typeface="Calibri" panose="020F0502020204030204" pitchFamily="34" charset="0"/>
+              </a:rPr>
+              <a:t>Demographics.</a:t>
+            </a:r>
+          </a:p>
+          <a:p>
+            <a:pPr lvl="1"/>
+            <a:r>
+              <a:rPr lang="en-ZA" dirty="0">
+                <a:latin typeface="Calibri" panose="020F0502020204030204" pitchFamily="34" charset="0"/>
+                <a:cs typeface="Calibri" panose="020F0502020204030204" pitchFamily="34" charset="0"/>
+              </a:rPr>
+              <a:t>Health progression</a:t>
+            </a:r>
+          </a:p>
+          <a:p>
+            <a:pPr lvl="1"/>
+            <a:endParaRPr lang="en-ZA" dirty="0">
+              <a:latin typeface="Calibri" panose="020F0502020204030204" pitchFamily="34" charset="0"/>
+              <a:cs typeface="Calibri" panose="020F0502020204030204" pitchFamily="34" charset="0"/>
+            </a:endParaRPr>
+          </a:p>
+          <a:p>
+            <a:pPr lvl="1"/>
+            <a:endParaRPr lang="en-ZA" dirty="0">
+              <a:latin typeface="Calibri" panose="020F0502020204030204" pitchFamily="34" charset="0"/>
+              <a:cs typeface="Calibri" panose="020F0502020204030204" pitchFamily="34" charset="0"/>
+            </a:endParaRPr>
+          </a:p>
+          <a:p>
+            <a:pPr lvl="1"/>
+            <a:endParaRPr lang="en-ZA" dirty="0">
+              <a:latin typeface="Calibri" panose="020F0502020204030204" pitchFamily="34" charset="0"/>
+              <a:cs typeface="Calibri" panose="020F0502020204030204" pitchFamily="34" charset="0"/>
+            </a:endParaRPr>
+          </a:p>
+          <a:p>
+            <a:pPr lvl="1"/>
+            <a:endParaRPr lang="en-ZA" dirty="0">
+              <a:latin typeface="Calibri" panose="020F0502020204030204" pitchFamily="34" charset="0"/>
+              <a:cs typeface="Calibri" panose="020F0502020204030204" pitchFamily="34" charset="0"/>
+            </a:endParaRPr>
+          </a:p>
+          <a:p>
+            <a:pPr lvl="1"/>
+            <a:r>
+              <a:rPr lang="en-ZA" b="1" dirty="0">
+                <a:latin typeface="Calibri" panose="020F0502020204030204" pitchFamily="34" charset="0"/>
+                <a:cs typeface="Calibri" panose="020F0502020204030204" pitchFamily="34" charset="0"/>
+              </a:rPr>
+              <a:t>Questionnaire</a:t>
+            </a:r>
+          </a:p>
+          <a:p>
+            <a:pPr lvl="2"/>
+            <a:r>
+              <a:rPr lang="en-ZA" dirty="0">
+                <a:latin typeface="Calibri" panose="020F0502020204030204" pitchFamily="34" charset="0"/>
+                <a:cs typeface="Calibri" panose="020F0502020204030204" pitchFamily="34" charset="0"/>
+              </a:rPr>
+              <a:t>Challenges</a:t>
+            </a:r>
+          </a:p>
+          <a:p>
+            <a:pPr lvl="1"/>
+            <a:r>
+              <a:rPr lang="en-ZA" dirty="0">
+                <a:latin typeface="Calibri" panose="020F0502020204030204" pitchFamily="34" charset="0"/>
+                <a:cs typeface="Calibri" panose="020F0502020204030204" pitchFamily="34" charset="0"/>
+              </a:rPr>
+              <a:t>Recommendations:</a:t>
+            </a:r>
+          </a:p>
+          <a:p>
+            <a:pPr lvl="2"/>
+            <a:r>
+              <a:rPr lang="en-ZA" dirty="0">
+                <a:latin typeface="Calibri" panose="020F0502020204030204" pitchFamily="34" charset="0"/>
+                <a:cs typeface="Calibri" panose="020F0502020204030204" pitchFamily="34" charset="0"/>
+              </a:rPr>
+              <a:t>Training</a:t>
+            </a:r>
+          </a:p>
+          <a:p>
+            <a:pPr lvl="2"/>
+            <a:r>
+              <a:rPr lang="en-ZA" dirty="0">
+                <a:latin typeface="Calibri" panose="020F0502020204030204" pitchFamily="34" charset="0"/>
+                <a:cs typeface="Calibri" panose="020F0502020204030204" pitchFamily="34" charset="0"/>
+              </a:rPr>
+              <a:t>Raising awareness</a:t>
+            </a:r>
+            <a:endParaRPr lang="en-US" dirty="0">
+              <a:latin typeface="Calibri" panose="020F0502020204030204" pitchFamily="34" charset="0"/>
+              <a:cs typeface="Calibri" panose="020F0502020204030204" pitchFamily="34" charset="0"/>
+            </a:endParaRPr>
           </a:p>
         </p:txBody>
       </p:sp>
     </p:spTree>
     <p:extLst>
       <p:ext uri="{BB962C8B-B14F-4D97-AF65-F5344CB8AC3E}">
-        <p14:creationId xmlns:p14="http://schemas.microsoft.com/office/powerpoint/2010/main" val="4192928946"/>
+        <p14:creationId xmlns:p14="http://schemas.microsoft.com/office/powerpoint/2010/main" val="3929142942"/>
       </p:ext>
     </p:extLst>
   </p:cSld>
   <p:clrMapOvr>
     <a:masterClrMapping/>
   </p:clrMapOvr>
-  <mc:AlternateContent xmlns:mc="http://schemas.openxmlformats.org/markup-compatibility/2006">
-    <mc:Choice xmlns:p159="http://schemas.microsoft.com/office/powerpoint/2015/09/main" Requires="p159">
+  <mc:AlternateContent xmlns:mc="http://schemas.openxmlformats.org/markup-compatibility/2006" xmlns:p159="http://schemas.microsoft.com/office/powerpoint/2015/09/main">
+    <mc:Choice Requires="p159">
       <p:transition xmlns:p14="http://schemas.microsoft.com/office/powerpoint/2010/main" spd="slow" p14:dur="2000">
         <p159:morph option="byObject"/>
       </p:transition>
     </mc:Choice>
-    <mc:Fallback>
+    <mc:Fallback xmlns="">
       <p:transition spd="slow">
         <p:fade/>
       </p:transition>
@@ -5114,7 +5246,7 @@
           <p:cNvPr id="2" name="Title 1">
             <a:extLst>
               <a:ext uri="{FF2B5EF4-FFF2-40B4-BE49-F238E27FC236}">
-                <a16:creationId xmlns:a16="http://schemas.microsoft.com/office/drawing/2014/main" id="{80E82DCD-17AE-4F53-A504-77B2BF04BBFB}"/>
+                <a16:creationId xmlns:a16="http://schemas.microsoft.com/office/drawing/2014/main" id="{EB64AD43-D681-4905-9B32-844D4B54B2D6}"/>
               </a:ext>
             </a:extLst>
           </p:cNvPr>
@@ -5135,7 +5267,7 @@
                 <a:latin typeface="Calibri" panose="020F0502020204030204" pitchFamily="34" charset="0"/>
                 <a:cs typeface="Calibri" panose="020F0502020204030204" pitchFamily="34" charset="0"/>
               </a:rPr>
-              <a:t>NURSING MANAGEMENT</a:t>
+              <a:t>evaluation</a:t>
             </a:r>
             <a:endParaRPr lang="en-US" dirty="0">
               <a:latin typeface="Calibri" panose="020F0502020204030204" pitchFamily="34" charset="0"/>
@@ -5149,7 +5281,7 @@
           <p:cNvPr id="3" name="Content Placeholder 2">
             <a:extLst>
               <a:ext uri="{FF2B5EF4-FFF2-40B4-BE49-F238E27FC236}">
-                <a16:creationId xmlns:a16="http://schemas.microsoft.com/office/drawing/2014/main" id="{F10EE886-F679-46FC-BED8-0256650F869A}"/>
+                <a16:creationId xmlns:a16="http://schemas.microsoft.com/office/drawing/2014/main" id="{656FBCB7-70D4-4D71-929C-C845F1C3C240}"/>
               </a:ext>
             </a:extLst>
           </p:cNvPr>
@@ -5165,232 +5297,39 @@
           <a:bodyPr/>
           <a:lstStyle/>
           <a:p>
-            <a:pPr marL="0" lvl="0" indent="0" eaLnBrk="0" fontAlgn="base" hangingPunct="0">
-              <a:lnSpc>
-                <a:spcPct val="100000"/>
-              </a:lnSpc>
-              <a:spcBef>
-                <a:spcPct val="0"/>
-              </a:spcBef>
-              <a:spcAft>
-                <a:spcPct val="0"/>
-              </a:spcAft>
-              <a:buClrTx/>
-              <a:buSzTx/>
-              <a:buNone/>
-            </a:pPr>
-            <a:endParaRPr lang="en-US" altLang="en-US" dirty="0">
-              <a:latin typeface="Aptos (Body)"/>
-            </a:endParaRPr>
-          </a:p>
-          <a:p>
-            <a:pPr marL="0" lvl="0" indent="0" eaLnBrk="0" fontAlgn="base" hangingPunct="0">
-              <a:lnSpc>
-                <a:spcPct val="100000"/>
-              </a:lnSpc>
-              <a:spcBef>
-                <a:spcPct val="0"/>
-              </a:spcBef>
-              <a:spcAft>
-                <a:spcPct val="0"/>
-              </a:spcAft>
-              <a:buClrTx/>
-              <a:buSzTx/>
-              <a:buFontTx/>
-              <a:buChar char="•"/>
-            </a:pPr>
-            <a:r>
-              <a:rPr lang="en-US" altLang="en-US" dirty="0">
-                <a:latin typeface="Aptos (Body)"/>
-              </a:rPr>
-              <a:t> </a:t>
-            </a:r>
-            <a:r>
-              <a:rPr lang="en-US" altLang="en-US" dirty="0">
-                <a:latin typeface="Calibri" panose="020F0502020204030204" pitchFamily="34" charset="0"/>
-                <a:cs typeface="Calibri" panose="020F0502020204030204" pitchFamily="34" charset="0"/>
-              </a:rPr>
-              <a:t>Real-time alerts and recommendations</a:t>
-            </a:r>
-          </a:p>
-          <a:p>
-            <a:pPr marL="0" lvl="0" indent="0" eaLnBrk="0" fontAlgn="base" hangingPunct="0">
-              <a:lnSpc>
-                <a:spcPct val="100000"/>
-              </a:lnSpc>
-              <a:spcBef>
-                <a:spcPct val="0"/>
-              </a:spcBef>
-              <a:spcAft>
-                <a:spcPct val="0"/>
-              </a:spcAft>
-              <a:buClrTx/>
-              <a:buSzTx/>
-              <a:buFontTx/>
-              <a:buChar char="•"/>
-            </a:pPr>
-            <a:endParaRPr lang="en-US" altLang="en-US" dirty="0">
-              <a:latin typeface="Calibri" panose="020F0502020204030204" pitchFamily="34" charset="0"/>
-              <a:cs typeface="Calibri" panose="020F0502020204030204" pitchFamily="34" charset="0"/>
-            </a:endParaRPr>
-          </a:p>
-          <a:p>
-            <a:pPr marL="0" lvl="0" indent="0" eaLnBrk="0" fontAlgn="base" hangingPunct="0">
-              <a:lnSpc>
-                <a:spcPct val="100000"/>
-              </a:lnSpc>
-              <a:spcBef>
-                <a:spcPct val="0"/>
-              </a:spcBef>
-              <a:spcAft>
-                <a:spcPct val="0"/>
-              </a:spcAft>
-              <a:buClrTx/>
-              <a:buSzTx/>
-              <a:buFontTx/>
-              <a:buChar char="•"/>
-            </a:pPr>
-            <a:r>
-              <a:rPr lang="en-US" altLang="en-US" dirty="0">
-                <a:latin typeface="Calibri" panose="020F0502020204030204" pitchFamily="34" charset="0"/>
-                <a:cs typeface="Calibri" panose="020F0502020204030204" pitchFamily="34" charset="0"/>
-              </a:rPr>
-              <a:t> Improved decision-making for nursing managers</a:t>
-            </a:r>
-          </a:p>
-          <a:p>
-            <a:pPr marL="0" lvl="0" indent="0" eaLnBrk="0" fontAlgn="base" hangingPunct="0">
-              <a:lnSpc>
-                <a:spcPct val="100000"/>
-              </a:lnSpc>
-              <a:spcBef>
-                <a:spcPct val="0"/>
-              </a:spcBef>
-              <a:spcAft>
-                <a:spcPct val="0"/>
-              </a:spcAft>
-              <a:buClrTx/>
-              <a:buSzTx/>
-              <a:buFontTx/>
-              <a:buChar char="•"/>
-            </a:pPr>
-            <a:endParaRPr lang="en-US" altLang="en-US" dirty="0">
-              <a:latin typeface="Calibri" panose="020F0502020204030204" pitchFamily="34" charset="0"/>
-              <a:cs typeface="Calibri" panose="020F0502020204030204" pitchFamily="34" charset="0"/>
-            </a:endParaRPr>
-          </a:p>
-          <a:p>
-            <a:pPr marL="0" lvl="0" indent="0" eaLnBrk="0" fontAlgn="base" hangingPunct="0">
-              <a:lnSpc>
-                <a:spcPct val="100000"/>
-              </a:lnSpc>
-              <a:spcBef>
-                <a:spcPct val="0"/>
-              </a:spcBef>
-              <a:spcAft>
-                <a:spcPct val="0"/>
-              </a:spcAft>
-              <a:buClrTx/>
-              <a:buSzTx/>
-              <a:buFontTx/>
-              <a:buChar char="•"/>
-            </a:pPr>
-            <a:r>
-              <a:rPr lang="en-US" altLang="en-US" dirty="0">
-                <a:latin typeface="Calibri" panose="020F0502020204030204" pitchFamily="34" charset="0"/>
-                <a:cs typeface="Calibri" panose="020F0502020204030204" pitchFamily="34" charset="0"/>
-              </a:rPr>
-              <a:t> Encourages collaboration among nursing staff</a:t>
-            </a:r>
-          </a:p>
-          <a:p>
-            <a:pPr marL="0" lvl="0" indent="0" eaLnBrk="0" fontAlgn="base" hangingPunct="0">
-              <a:lnSpc>
-                <a:spcPct val="100000"/>
-              </a:lnSpc>
-              <a:spcBef>
-                <a:spcPct val="0"/>
-              </a:spcBef>
-              <a:spcAft>
-                <a:spcPct val="0"/>
-              </a:spcAft>
-              <a:buClrTx/>
-              <a:buSzTx/>
-              <a:buFontTx/>
-              <a:buChar char="•"/>
-            </a:pPr>
-            <a:endParaRPr lang="en-US" altLang="en-US" dirty="0">
-              <a:latin typeface="Calibri" panose="020F0502020204030204" pitchFamily="34" charset="0"/>
-              <a:cs typeface="Calibri" panose="020F0502020204030204" pitchFamily="34" charset="0"/>
-            </a:endParaRPr>
-          </a:p>
-          <a:p>
-            <a:pPr marL="0" lvl="0" indent="0" eaLnBrk="0" fontAlgn="base" hangingPunct="0">
-              <a:lnSpc>
-                <a:spcPct val="100000"/>
-              </a:lnSpc>
-              <a:spcBef>
-                <a:spcPct val="0"/>
-              </a:spcBef>
-              <a:spcAft>
-                <a:spcPct val="0"/>
-              </a:spcAft>
-              <a:buClrTx/>
-              <a:buSzTx/>
-              <a:buFontTx/>
-              <a:buChar char="•"/>
-            </a:pPr>
-            <a:r>
-              <a:rPr lang="en-US" altLang="en-US" dirty="0">
-                <a:latin typeface="Calibri" panose="020F0502020204030204" pitchFamily="34" charset="0"/>
-                <a:cs typeface="Calibri" panose="020F0502020204030204" pitchFamily="34" charset="0"/>
-              </a:rPr>
-              <a:t> Setting guidelines and monitoring performance</a:t>
-            </a:r>
-          </a:p>
-          <a:p>
-            <a:pPr marL="0" lvl="0" indent="0" eaLnBrk="0" fontAlgn="base" hangingPunct="0">
-              <a:lnSpc>
-                <a:spcPct val="100000"/>
-              </a:lnSpc>
-              <a:spcBef>
-                <a:spcPct val="0"/>
-              </a:spcBef>
-              <a:spcAft>
-                <a:spcPct val="0"/>
-              </a:spcAft>
-              <a:buClrTx/>
-              <a:buSzTx/>
-              <a:buFontTx/>
-              <a:buChar char="•"/>
-            </a:pPr>
-            <a:endParaRPr lang="en-US" altLang="en-US" dirty="0">
-              <a:latin typeface="Calibri" panose="020F0502020204030204" pitchFamily="34" charset="0"/>
-              <a:cs typeface="Calibri" panose="020F0502020204030204" pitchFamily="34" charset="0"/>
-            </a:endParaRPr>
-          </a:p>
-          <a:p>
-            <a:pPr marL="0" lvl="0" indent="0" eaLnBrk="0" fontAlgn="base" hangingPunct="0">
-              <a:lnSpc>
-                <a:spcPct val="100000"/>
-              </a:lnSpc>
-              <a:spcBef>
-                <a:spcPct val="0"/>
-              </a:spcBef>
-              <a:spcAft>
-                <a:spcPct val="0"/>
-              </a:spcAft>
-              <a:buClrTx/>
-              <a:buSzTx/>
-              <a:buFontTx/>
-              <a:buChar char="•"/>
-            </a:pPr>
-            <a:r>
-              <a:rPr lang="en-US" altLang="en-US" dirty="0">
-                <a:latin typeface="Calibri" panose="020F0502020204030204" pitchFamily="34" charset="0"/>
-                <a:cs typeface="Calibri" panose="020F0502020204030204" pitchFamily="34" charset="0"/>
-              </a:rPr>
-              <a:t> Identifying training needs for effective CDSS use </a:t>
+            <a:r>
+              <a:rPr lang="en-ZA" dirty="0">
+                <a:latin typeface="Calibri" panose="020F0502020204030204" pitchFamily="34" charset="0"/>
+                <a:cs typeface="Calibri" panose="020F0502020204030204" pitchFamily="34" charset="0"/>
+              </a:rPr>
+              <a:t>Goal of the potential impact implementing a CDSS</a:t>
+            </a:r>
+          </a:p>
+          <a:p>
+            <a:r>
+              <a:rPr lang="en-ZA" dirty="0">
+                <a:latin typeface="Calibri" panose="020F0502020204030204" pitchFamily="34" charset="0"/>
+                <a:cs typeface="Calibri" panose="020F0502020204030204" pitchFamily="34" charset="0"/>
+              </a:rPr>
+              <a:t>Achievements </a:t>
+            </a:r>
+          </a:p>
+          <a:p>
+            <a:r>
+              <a:rPr lang="en-ZA" dirty="0">
+                <a:latin typeface="Calibri" panose="020F0502020204030204" pitchFamily="34" charset="0"/>
+                <a:cs typeface="Calibri" panose="020F0502020204030204" pitchFamily="34" charset="0"/>
+              </a:rPr>
+              <a:t>Limitations/Constraints</a:t>
+            </a:r>
+          </a:p>
+          <a:p>
+            <a:r>
+              <a:rPr lang="en-ZA" dirty="0">
+                <a:latin typeface="Calibri" panose="020F0502020204030204" pitchFamily="34" charset="0"/>
+                <a:cs typeface="Calibri" panose="020F0502020204030204" pitchFamily="34" charset="0"/>
+              </a:rPr>
+              <a:t>Recommendations</a:t>
             </a:r>
           </a:p>
           <a:p>
@@ -5401,20 +5340,20 @@
     </p:spTree>
     <p:extLst>
       <p:ext uri="{BB962C8B-B14F-4D97-AF65-F5344CB8AC3E}">
-        <p14:creationId xmlns:p14="http://schemas.microsoft.com/office/powerpoint/2010/main" val="3980299055"/>
+        <p14:creationId xmlns:p14="http://schemas.microsoft.com/office/powerpoint/2010/main" val="2553020786"/>
       </p:ext>
     </p:extLst>
   </p:cSld>
   <p:clrMapOvr>
     <a:masterClrMapping/>
   </p:clrMapOvr>
-  <mc:AlternateContent xmlns:mc="http://schemas.openxmlformats.org/markup-compatibility/2006">
-    <mc:Choice xmlns:p159="http://schemas.microsoft.com/office/powerpoint/2015/09/main" Requires="p159">
+  <mc:AlternateContent xmlns:mc="http://schemas.openxmlformats.org/markup-compatibility/2006" xmlns:p159="http://schemas.microsoft.com/office/powerpoint/2015/09/main">
+    <mc:Choice Requires="p159">
       <p:transition xmlns:p14="http://schemas.microsoft.com/office/powerpoint/2010/main" spd="slow" p14:dur="2000">
         <p159:morph option="byObject"/>
       </p:transition>
     </mc:Choice>
-    <mc:Fallback>
+    <mc:Fallback xmlns="">
       <p:transition spd="slow">
         <p:fade/>
       </p:transition>
@@ -5445,7 +5384,7 @@
           <p:cNvPr id="2" name="Title 1">
             <a:extLst>
               <a:ext uri="{FF2B5EF4-FFF2-40B4-BE49-F238E27FC236}">
-                <a16:creationId xmlns:a16="http://schemas.microsoft.com/office/drawing/2014/main" id="{60C87B94-4D5C-4635-8227-867D03C6C1F1}"/>
+                <a16:creationId xmlns:a16="http://schemas.microsoft.com/office/drawing/2014/main" id="{BF6E3046-A749-4901-97A3-84DF54EB1CDD}"/>
               </a:ext>
             </a:extLst>
           </p:cNvPr>
@@ -5466,263 +5405,77 @@
                 <a:latin typeface="Calibri" panose="020F0502020204030204" pitchFamily="34" charset="0"/>
                 <a:cs typeface="Calibri" panose="020F0502020204030204" pitchFamily="34" charset="0"/>
               </a:rPr>
-              <a:t>NURSING CARE</a:t>
+              <a:t>IMPACT OF THE MANAGEMENT STRATEGY</a:t>
+            </a:r>
+            <a:endParaRPr lang="en-US" dirty="0"/>
+          </a:p>
+        </p:txBody>
+      </p:sp>
+      <p:sp>
+        <p:nvSpPr>
+          <p:cNvPr id="3" name="Content Placeholder 2">
+            <a:extLst>
+              <a:ext uri="{FF2B5EF4-FFF2-40B4-BE49-F238E27FC236}">
+                <a16:creationId xmlns:a16="http://schemas.microsoft.com/office/drawing/2014/main" id="{3B7F2E75-8580-4659-9E30-8604D8B38673}"/>
+              </a:ext>
+            </a:extLst>
+          </p:cNvPr>
+          <p:cNvSpPr>
+            <a:spLocks noGrp="1"/>
+          </p:cNvSpPr>
+          <p:nvPr>
+            <p:ph idx="1"/>
+          </p:nvPr>
+        </p:nvSpPr>
+        <p:spPr/>
+        <p:txBody>
+          <a:bodyPr/>
+          <a:lstStyle/>
+          <a:p>
+            <a:r>
+              <a:rPr lang="en-ZA" b="1" dirty="0">
+                <a:latin typeface="Calibri" panose="020F0502020204030204" pitchFamily="34" charset="0"/>
+                <a:cs typeface="Calibri" panose="020F0502020204030204" pitchFamily="34" charset="0"/>
+              </a:rPr>
+              <a:t>Overview of key focus areas:</a:t>
+            </a:r>
+          </a:p>
+          <a:p>
+            <a:pPr lvl="1"/>
+            <a:r>
+              <a:rPr lang="en-ZA" dirty="0">
+                <a:latin typeface="Calibri" panose="020F0502020204030204" pitchFamily="34" charset="0"/>
+                <a:cs typeface="Calibri" panose="020F0502020204030204" pitchFamily="34" charset="0"/>
+              </a:rPr>
+              <a:t>Nursing Management.</a:t>
+            </a:r>
+          </a:p>
+          <a:p>
+            <a:pPr lvl="1"/>
+            <a:r>
+              <a:rPr lang="en-ZA" dirty="0">
+                <a:latin typeface="Calibri" panose="020F0502020204030204" pitchFamily="34" charset="0"/>
+                <a:cs typeface="Calibri" panose="020F0502020204030204" pitchFamily="34" charset="0"/>
+              </a:rPr>
+              <a:t>Nursing Care.</a:t>
+            </a:r>
+          </a:p>
+          <a:p>
+            <a:pPr lvl="1"/>
+            <a:r>
+              <a:rPr lang="en-ZA" dirty="0">
+                <a:latin typeface="Calibri" panose="020F0502020204030204" pitchFamily="34" charset="0"/>
+                <a:cs typeface="Calibri" panose="020F0502020204030204" pitchFamily="34" charset="0"/>
+              </a:rPr>
+              <a:t>Patient Outcomes.</a:t>
             </a:r>
             <a:endParaRPr lang="en-US" dirty="0">
               <a:latin typeface="Calibri" panose="020F0502020204030204" pitchFamily="34" charset="0"/>
               <a:cs typeface="Calibri" panose="020F0502020204030204" pitchFamily="34" charset="0"/>
             </a:endParaRPr>
           </a:p>
-        </p:txBody>
-      </p:sp>
-      <p:sp>
-        <p:nvSpPr>
-          <p:cNvPr id="3" name="Content Placeholder 2">
-            <a:extLst>
-              <a:ext uri="{FF2B5EF4-FFF2-40B4-BE49-F238E27FC236}">
-                <a16:creationId xmlns:a16="http://schemas.microsoft.com/office/drawing/2014/main" id="{A7B3D3A8-AB46-4838-88C9-E1CD8A85F035}"/>
-              </a:ext>
-            </a:extLst>
-          </p:cNvPr>
-          <p:cNvSpPr>
-            <a:spLocks noGrp="1"/>
-          </p:cNvSpPr>
-          <p:nvPr>
-            <p:ph idx="1"/>
-          </p:nvPr>
-        </p:nvSpPr>
-        <p:spPr/>
-        <p:txBody>
-          <a:bodyPr/>
-          <a:lstStyle/>
-          <a:p>
-            <a:pPr marL="0" lvl="0" indent="0" eaLnBrk="0" fontAlgn="base" hangingPunct="0">
-              <a:lnSpc>
-                <a:spcPct val="100000"/>
-              </a:lnSpc>
-              <a:spcBef>
-                <a:spcPct val="0"/>
-              </a:spcBef>
-              <a:spcAft>
-                <a:spcPct val="0"/>
-              </a:spcAft>
-              <a:buClrTx/>
-              <a:buSzTx/>
-              <a:buNone/>
-            </a:pPr>
-            <a:endParaRPr lang="en-US" altLang="en-US" dirty="0">
-              <a:latin typeface="Aptos (Body)"/>
-            </a:endParaRPr>
-          </a:p>
-          <a:p>
-            <a:pPr marL="0" lvl="0" indent="0" eaLnBrk="0" fontAlgn="base" hangingPunct="0">
-              <a:lnSpc>
-                <a:spcPct val="100000"/>
-              </a:lnSpc>
-              <a:spcBef>
-                <a:spcPct val="0"/>
-              </a:spcBef>
-              <a:spcAft>
-                <a:spcPct val="0"/>
-              </a:spcAft>
-              <a:buClrTx/>
-              <a:buSzTx/>
-              <a:buFontTx/>
-              <a:buChar char="•"/>
-            </a:pPr>
-            <a:r>
-              <a:rPr lang="en-US" altLang="en-US" dirty="0">
-                <a:latin typeface="Aptos (Body)"/>
-              </a:rPr>
-              <a:t> </a:t>
-            </a:r>
-            <a:r>
-              <a:rPr lang="en-US" altLang="en-US" dirty="0">
-                <a:latin typeface="Calibri" panose="020F0502020204030204" pitchFamily="34" charset="0"/>
-                <a:cs typeface="Calibri" panose="020F0502020204030204" pitchFamily="34" charset="0"/>
-              </a:rPr>
-              <a:t>Simplified diagnosis and assessment of patients</a:t>
-            </a:r>
-          </a:p>
-          <a:p>
-            <a:pPr marL="0" lvl="0" indent="0" eaLnBrk="0" fontAlgn="base" hangingPunct="0">
-              <a:lnSpc>
-                <a:spcPct val="100000"/>
-              </a:lnSpc>
-              <a:spcBef>
-                <a:spcPct val="0"/>
-              </a:spcBef>
-              <a:spcAft>
-                <a:spcPct val="0"/>
-              </a:spcAft>
-              <a:buClrTx/>
-              <a:buSzTx/>
-              <a:buFontTx/>
-              <a:buChar char="•"/>
-            </a:pPr>
-            <a:endParaRPr lang="en-US" altLang="en-US" dirty="0">
-              <a:latin typeface="Calibri" panose="020F0502020204030204" pitchFamily="34" charset="0"/>
-              <a:cs typeface="Calibri" panose="020F0502020204030204" pitchFamily="34" charset="0"/>
-            </a:endParaRPr>
-          </a:p>
-          <a:p>
-            <a:pPr marL="0" lvl="0" indent="0" eaLnBrk="0" fontAlgn="base" hangingPunct="0">
-              <a:lnSpc>
-                <a:spcPct val="100000"/>
-              </a:lnSpc>
-              <a:spcBef>
-                <a:spcPct val="0"/>
-              </a:spcBef>
-              <a:spcAft>
-                <a:spcPct val="0"/>
-              </a:spcAft>
-              <a:buClrTx/>
-              <a:buSzTx/>
-              <a:buFontTx/>
-              <a:buChar char="•"/>
-            </a:pPr>
-            <a:r>
-              <a:rPr lang="en-US" altLang="en-US" dirty="0">
-                <a:latin typeface="Calibri" panose="020F0502020204030204" pitchFamily="34" charset="0"/>
-                <a:cs typeface="Calibri" panose="020F0502020204030204" pitchFamily="34" charset="0"/>
-              </a:rPr>
-              <a:t> Quick and accurate symptom analysis tools</a:t>
-            </a:r>
-          </a:p>
-          <a:p>
-            <a:pPr marL="0" lvl="0" indent="0" eaLnBrk="0" fontAlgn="base" hangingPunct="0">
-              <a:lnSpc>
-                <a:spcPct val="100000"/>
-              </a:lnSpc>
-              <a:spcBef>
-                <a:spcPct val="0"/>
-              </a:spcBef>
-              <a:spcAft>
-                <a:spcPct val="0"/>
-              </a:spcAft>
-              <a:buClrTx/>
-              <a:buSzTx/>
-              <a:buFontTx/>
-              <a:buChar char="•"/>
-            </a:pPr>
-            <a:endParaRPr lang="en-US" altLang="en-US" dirty="0">
-              <a:latin typeface="Calibri" panose="020F0502020204030204" pitchFamily="34" charset="0"/>
-              <a:cs typeface="Calibri" panose="020F0502020204030204" pitchFamily="34" charset="0"/>
-            </a:endParaRPr>
-          </a:p>
-          <a:p>
-            <a:pPr marL="0" lvl="0" indent="0" eaLnBrk="0" fontAlgn="base" hangingPunct="0">
-              <a:lnSpc>
-                <a:spcPct val="100000"/>
-              </a:lnSpc>
-              <a:spcBef>
-                <a:spcPct val="0"/>
-              </a:spcBef>
-              <a:spcAft>
-                <a:spcPct val="0"/>
-              </a:spcAft>
-              <a:buClrTx/>
-              <a:buSzTx/>
-              <a:buFontTx/>
-              <a:buChar char="•"/>
-            </a:pPr>
-            <a:r>
-              <a:rPr lang="en-US" altLang="en-US" dirty="0">
-                <a:latin typeface="Calibri" panose="020F0502020204030204" pitchFamily="34" charset="0"/>
-                <a:cs typeface="Calibri" panose="020F0502020204030204" pitchFamily="34" charset="0"/>
-              </a:rPr>
-              <a:t> Building trust and effective communication with patients</a:t>
-            </a:r>
-          </a:p>
-          <a:p>
-            <a:pPr marL="0" lvl="0" indent="0" eaLnBrk="0" fontAlgn="base" hangingPunct="0">
-              <a:lnSpc>
-                <a:spcPct val="100000"/>
-              </a:lnSpc>
-              <a:spcBef>
-                <a:spcPct val="0"/>
-              </a:spcBef>
-              <a:spcAft>
-                <a:spcPct val="0"/>
-              </a:spcAft>
-              <a:buClrTx/>
-              <a:buSzTx/>
-              <a:buFontTx/>
-              <a:buChar char="•"/>
-            </a:pPr>
-            <a:endParaRPr lang="en-US" altLang="en-US" dirty="0">
-              <a:latin typeface="Calibri" panose="020F0502020204030204" pitchFamily="34" charset="0"/>
-              <a:cs typeface="Calibri" panose="020F0502020204030204" pitchFamily="34" charset="0"/>
-            </a:endParaRPr>
-          </a:p>
-          <a:p>
-            <a:pPr marL="0" lvl="0" indent="0" eaLnBrk="0" fontAlgn="base" hangingPunct="0">
-              <a:lnSpc>
-                <a:spcPct val="100000"/>
-              </a:lnSpc>
-              <a:spcBef>
-                <a:spcPct val="0"/>
-              </a:spcBef>
-              <a:spcAft>
-                <a:spcPct val="0"/>
-              </a:spcAft>
-              <a:buClrTx/>
-              <a:buSzTx/>
-              <a:buFontTx/>
-              <a:buChar char="•"/>
-            </a:pPr>
-            <a:r>
-              <a:rPr lang="en-US" altLang="en-US" dirty="0">
-                <a:latin typeface="Calibri" panose="020F0502020204030204" pitchFamily="34" charset="0"/>
-                <a:cs typeface="Calibri" panose="020F0502020204030204" pitchFamily="34" charset="0"/>
-              </a:rPr>
-              <a:t> Keeping nurses updated on latest treatments and guidelines</a:t>
-            </a:r>
-          </a:p>
-          <a:p>
-            <a:pPr marL="0" lvl="0" indent="0" eaLnBrk="0" fontAlgn="base" hangingPunct="0">
-              <a:lnSpc>
-                <a:spcPct val="100000"/>
-              </a:lnSpc>
-              <a:spcBef>
-                <a:spcPct val="0"/>
-              </a:spcBef>
-              <a:spcAft>
-                <a:spcPct val="0"/>
-              </a:spcAft>
-              <a:buClrTx/>
-              <a:buSzTx/>
-              <a:buFontTx/>
-              <a:buChar char="•"/>
-            </a:pPr>
-            <a:endParaRPr lang="en-US" altLang="en-US" dirty="0">
-              <a:latin typeface="Calibri" panose="020F0502020204030204" pitchFamily="34" charset="0"/>
-              <a:cs typeface="Calibri" panose="020F0502020204030204" pitchFamily="34" charset="0"/>
-            </a:endParaRPr>
-          </a:p>
-          <a:p>
-            <a:pPr marL="0" lvl="0" indent="0" eaLnBrk="0" fontAlgn="base" hangingPunct="0">
-              <a:lnSpc>
-                <a:spcPct val="100000"/>
-              </a:lnSpc>
-              <a:spcBef>
-                <a:spcPct val="0"/>
-              </a:spcBef>
-              <a:spcAft>
-                <a:spcPct val="0"/>
-              </a:spcAft>
-              <a:buClrTx/>
-              <a:buSzTx/>
-              <a:buFontTx/>
-              <a:buChar char="•"/>
-            </a:pPr>
-            <a:r>
-              <a:rPr lang="en-US" altLang="en-US" dirty="0">
-                <a:latin typeface="Calibri" panose="020F0502020204030204" pitchFamily="34" charset="0"/>
-                <a:cs typeface="Calibri" panose="020F0502020204030204" pitchFamily="34" charset="0"/>
-              </a:rPr>
-              <a:t> Tailoring care based on patient-specific needs </a:t>
-            </a:r>
+          <a:p>
+            <a:endParaRPr lang="en-US" dirty="0"/>
           </a:p>
           <a:p>
             <a:endParaRPr lang="en-US" dirty="0"/>
@@ -5732,20 +5485,20 @@
     </p:spTree>
     <p:extLst>
       <p:ext uri="{BB962C8B-B14F-4D97-AF65-F5344CB8AC3E}">
-        <p14:creationId xmlns:p14="http://schemas.microsoft.com/office/powerpoint/2010/main" val="2703400444"/>
+        <p14:creationId xmlns:p14="http://schemas.microsoft.com/office/powerpoint/2010/main" val="4192928946"/>
       </p:ext>
     </p:extLst>
   </p:cSld>
   <p:clrMapOvr>
     <a:masterClrMapping/>
   </p:clrMapOvr>
-  <mc:AlternateContent xmlns:mc="http://schemas.openxmlformats.org/markup-compatibility/2006">
-    <mc:Choice xmlns:p159="http://schemas.microsoft.com/office/powerpoint/2015/09/main" Requires="p159">
+  <mc:AlternateContent xmlns:mc="http://schemas.openxmlformats.org/markup-compatibility/2006" xmlns:p159="http://schemas.microsoft.com/office/powerpoint/2015/09/main">
+    <mc:Choice Requires="p159">
       <p:transition xmlns:p14="http://schemas.microsoft.com/office/powerpoint/2010/main" spd="slow" p14:dur="2000">
         <p159:morph option="byObject"/>
       </p:transition>
     </mc:Choice>
-    <mc:Fallback>
+    <mc:Fallback xmlns="">
       <p:transition spd="slow">
         <p:fade/>
       </p:transition>
@@ -5776,7 +5529,7 @@
           <p:cNvPr id="2" name="Title 1">
             <a:extLst>
               <a:ext uri="{FF2B5EF4-FFF2-40B4-BE49-F238E27FC236}">
-                <a16:creationId xmlns:a16="http://schemas.microsoft.com/office/drawing/2014/main" id="{685203E3-B8DD-4CC5-ADAF-65294C848821}"/>
+                <a16:creationId xmlns:a16="http://schemas.microsoft.com/office/drawing/2014/main" id="{80E82DCD-17AE-4F53-A504-77B2BF04BBFB}"/>
               </a:ext>
             </a:extLst>
           </p:cNvPr>
@@ -5797,7 +5550,7 @@
                 <a:latin typeface="Calibri" panose="020F0502020204030204" pitchFamily="34" charset="0"/>
                 <a:cs typeface="Calibri" panose="020F0502020204030204" pitchFamily="34" charset="0"/>
               </a:rPr>
-              <a:t>PATIENT OUTCOMES</a:t>
+              <a:t>NURSING MANAGEMENT</a:t>
             </a:r>
             <a:endParaRPr lang="en-US" dirty="0">
               <a:latin typeface="Calibri" panose="020F0502020204030204" pitchFamily="34" charset="0"/>
@@ -5811,7 +5564,7 @@
           <p:cNvPr id="3" name="Content Placeholder 2">
             <a:extLst>
               <a:ext uri="{FF2B5EF4-FFF2-40B4-BE49-F238E27FC236}">
-                <a16:creationId xmlns:a16="http://schemas.microsoft.com/office/drawing/2014/main" id="{6B90C9E9-B97E-43CA-977B-FA84D4B6F2EC}"/>
+                <a16:creationId xmlns:a16="http://schemas.microsoft.com/office/drawing/2014/main" id="{F10EE886-F679-46FC-BED8-0256650F869A}"/>
               </a:ext>
             </a:extLst>
           </p:cNvPr>
@@ -5824,9 +5577,7 @@
         </p:nvSpPr>
         <p:spPr/>
         <p:txBody>
-          <a:bodyPr>
-            <a:normAutofit/>
-          </a:bodyPr>
+          <a:bodyPr/>
           <a:lstStyle/>
           <a:p>
             <a:pPr marL="0" lvl="0" indent="0" eaLnBrk="0" fontAlgn="base" hangingPunct="0">
@@ -5874,7 +5625,7 @@
                 <a:latin typeface="Calibri" panose="020F0502020204030204" pitchFamily="34" charset="0"/>
                 <a:cs typeface="Calibri" panose="020F0502020204030204" pitchFamily="34" charset="0"/>
               </a:rPr>
-              <a:t>Early diagnoses and appropriate treatments</a:t>
+              <a:t>Real-time alerts and recommendations</a:t>
             </a:r>
           </a:p>
           <a:p>
@@ -5919,7 +5670,7 @@
                 <a:latin typeface="Calibri" panose="020F0502020204030204" pitchFamily="34" charset="0"/>
                 <a:cs typeface="Calibri" panose="020F0502020204030204" pitchFamily="34" charset="0"/>
               </a:rPr>
-              <a:t> Personalized treatment recommendations</a:t>
+              <a:t> Improved decision-making for nursing managers</a:t>
             </a:r>
           </a:p>
           <a:p>
@@ -5964,7 +5715,7 @@
                 <a:latin typeface="Calibri" panose="020F0502020204030204" pitchFamily="34" charset="0"/>
                 <a:cs typeface="Calibri" panose="020F0502020204030204" pitchFamily="34" charset="0"/>
               </a:rPr>
-              <a:t> Reducing the risk of diagnostic errors</a:t>
+              <a:t> Encourages collaboration among nursing staff</a:t>
             </a:r>
           </a:p>
           <a:p>
@@ -6009,7 +5760,7 @@
                 <a:latin typeface="Calibri" panose="020F0502020204030204" pitchFamily="34" charset="0"/>
                 <a:cs typeface="Calibri" panose="020F0502020204030204" pitchFamily="34" charset="0"/>
               </a:rPr>
-              <a:t> Enhanced overall quality of life for patients</a:t>
+              <a:t> Setting guidelines and monitoring performance</a:t>
             </a:r>
           </a:p>
           <a:p>
@@ -6054,7 +5805,7 @@
                 <a:latin typeface="Calibri" panose="020F0502020204030204" pitchFamily="34" charset="0"/>
                 <a:cs typeface="Calibri" panose="020F0502020204030204" pitchFamily="34" charset="0"/>
               </a:rPr>
-              <a:t> More effective, efficient, and compassionate        healthcare </a:t>
+              <a:t> Identifying training needs for effective CDSS use </a:t>
             </a:r>
           </a:p>
           <a:p>
@@ -6065,20 +5816,20 @@
     </p:spTree>
     <p:extLst>
       <p:ext uri="{BB962C8B-B14F-4D97-AF65-F5344CB8AC3E}">
-        <p14:creationId xmlns:p14="http://schemas.microsoft.com/office/powerpoint/2010/main" val="1247189225"/>
+        <p14:creationId xmlns:p14="http://schemas.microsoft.com/office/powerpoint/2010/main" val="3980299055"/>
       </p:ext>
     </p:extLst>
   </p:cSld>
   <p:clrMapOvr>
     <a:masterClrMapping/>
   </p:clrMapOvr>
-  <mc:AlternateContent xmlns:mc="http://schemas.openxmlformats.org/markup-compatibility/2006">
-    <mc:Choice xmlns:p159="http://schemas.microsoft.com/office/powerpoint/2015/09/main" Requires="p159">
+  <mc:AlternateContent xmlns:mc="http://schemas.openxmlformats.org/markup-compatibility/2006" xmlns:p159="http://schemas.microsoft.com/office/powerpoint/2015/09/main">
+    <mc:Choice Requires="p159">
       <p:transition xmlns:p14="http://schemas.microsoft.com/office/powerpoint/2010/main" spd="slow" p14:dur="2000">
         <p159:morph option="byObject"/>
       </p:transition>
     </mc:Choice>
-    <mc:Fallback>
+    <mc:Fallback xmlns="">
       <p:transition spd="slow">
         <p:fade/>
       </p:transition>
@@ -6207,13 +5958,13 @@
   <p:clrMapOvr>
     <a:masterClrMapping/>
   </p:clrMapOvr>
-  <mc:AlternateContent xmlns:mc="http://schemas.openxmlformats.org/markup-compatibility/2006">
-    <mc:Choice xmlns:p159="http://schemas.microsoft.com/office/powerpoint/2015/09/main" Requires="p159">
+  <mc:AlternateContent xmlns:mc="http://schemas.openxmlformats.org/markup-compatibility/2006" xmlns:p159="http://schemas.microsoft.com/office/powerpoint/2015/09/main">
+    <mc:Choice Requires="p159">
       <p:transition xmlns:p14="http://schemas.microsoft.com/office/powerpoint/2010/main" spd="slow" p14:dur="2000">
         <p159:morph option="byObject"/>
       </p:transition>
     </mc:Choice>
-    <mc:Fallback>
+    <mc:Fallback xmlns="">
       <p:transition spd="slow">
         <p:fade/>
       </p:transition>
@@ -6244,6 +5995,670 @@
           <p:cNvPr id="2" name="Title 1">
             <a:extLst>
               <a:ext uri="{FF2B5EF4-FFF2-40B4-BE49-F238E27FC236}">
+                <a16:creationId xmlns:a16="http://schemas.microsoft.com/office/drawing/2014/main" id="{60C87B94-4D5C-4635-8227-867D03C6C1F1}"/>
+              </a:ext>
+            </a:extLst>
+          </p:cNvPr>
+          <p:cNvSpPr>
+            <a:spLocks noGrp="1"/>
+          </p:cNvSpPr>
+          <p:nvPr>
+            <p:ph type="title"/>
+          </p:nvPr>
+        </p:nvSpPr>
+        <p:spPr/>
+        <p:txBody>
+          <a:bodyPr/>
+          <a:lstStyle/>
+          <a:p>
+            <a:r>
+              <a:rPr lang="en-ZA" dirty="0">
+                <a:latin typeface="Calibri" panose="020F0502020204030204" pitchFamily="34" charset="0"/>
+                <a:cs typeface="Calibri" panose="020F0502020204030204" pitchFamily="34" charset="0"/>
+              </a:rPr>
+              <a:t>NURSING CARE</a:t>
+            </a:r>
+            <a:endParaRPr lang="en-US" dirty="0">
+              <a:latin typeface="Calibri" panose="020F0502020204030204" pitchFamily="34" charset="0"/>
+              <a:cs typeface="Calibri" panose="020F0502020204030204" pitchFamily="34" charset="0"/>
+            </a:endParaRPr>
+          </a:p>
+        </p:txBody>
+      </p:sp>
+      <p:sp>
+        <p:nvSpPr>
+          <p:cNvPr id="3" name="Content Placeholder 2">
+            <a:extLst>
+              <a:ext uri="{FF2B5EF4-FFF2-40B4-BE49-F238E27FC236}">
+                <a16:creationId xmlns:a16="http://schemas.microsoft.com/office/drawing/2014/main" id="{A7B3D3A8-AB46-4838-88C9-E1CD8A85F035}"/>
+              </a:ext>
+            </a:extLst>
+          </p:cNvPr>
+          <p:cNvSpPr>
+            <a:spLocks noGrp="1"/>
+          </p:cNvSpPr>
+          <p:nvPr>
+            <p:ph idx="1"/>
+          </p:nvPr>
+        </p:nvSpPr>
+        <p:spPr/>
+        <p:txBody>
+          <a:bodyPr/>
+          <a:lstStyle/>
+          <a:p>
+            <a:pPr marL="0" lvl="0" indent="0" eaLnBrk="0" fontAlgn="base" hangingPunct="0">
+              <a:lnSpc>
+                <a:spcPct val="100000"/>
+              </a:lnSpc>
+              <a:spcBef>
+                <a:spcPct val="0"/>
+              </a:spcBef>
+              <a:spcAft>
+                <a:spcPct val="0"/>
+              </a:spcAft>
+              <a:buClrTx/>
+              <a:buSzTx/>
+              <a:buNone/>
+            </a:pPr>
+            <a:endParaRPr lang="en-US" altLang="en-US" dirty="0">
+              <a:latin typeface="Aptos (Body)"/>
+            </a:endParaRPr>
+          </a:p>
+          <a:p>
+            <a:pPr marL="0" lvl="0" indent="0" eaLnBrk="0" fontAlgn="base" hangingPunct="0">
+              <a:lnSpc>
+                <a:spcPct val="100000"/>
+              </a:lnSpc>
+              <a:spcBef>
+                <a:spcPct val="0"/>
+              </a:spcBef>
+              <a:spcAft>
+                <a:spcPct val="0"/>
+              </a:spcAft>
+              <a:buClrTx/>
+              <a:buSzTx/>
+              <a:buFontTx/>
+              <a:buChar char="•"/>
+            </a:pPr>
+            <a:r>
+              <a:rPr lang="en-US" altLang="en-US" dirty="0">
+                <a:latin typeface="Aptos (Body)"/>
+              </a:rPr>
+              <a:t> </a:t>
+            </a:r>
+            <a:r>
+              <a:rPr lang="en-US" altLang="en-US" dirty="0">
+                <a:latin typeface="Calibri" panose="020F0502020204030204" pitchFamily="34" charset="0"/>
+                <a:cs typeface="Calibri" panose="020F0502020204030204" pitchFamily="34" charset="0"/>
+              </a:rPr>
+              <a:t>Simplified diagnosis and assessment of patients</a:t>
+            </a:r>
+          </a:p>
+          <a:p>
+            <a:pPr marL="0" lvl="0" indent="0" eaLnBrk="0" fontAlgn="base" hangingPunct="0">
+              <a:lnSpc>
+                <a:spcPct val="100000"/>
+              </a:lnSpc>
+              <a:spcBef>
+                <a:spcPct val="0"/>
+              </a:spcBef>
+              <a:spcAft>
+                <a:spcPct val="0"/>
+              </a:spcAft>
+              <a:buClrTx/>
+              <a:buSzTx/>
+              <a:buFontTx/>
+              <a:buChar char="•"/>
+            </a:pPr>
+            <a:endParaRPr lang="en-US" altLang="en-US" dirty="0">
+              <a:latin typeface="Calibri" panose="020F0502020204030204" pitchFamily="34" charset="0"/>
+              <a:cs typeface="Calibri" panose="020F0502020204030204" pitchFamily="34" charset="0"/>
+            </a:endParaRPr>
+          </a:p>
+          <a:p>
+            <a:pPr marL="0" lvl="0" indent="0" eaLnBrk="0" fontAlgn="base" hangingPunct="0">
+              <a:lnSpc>
+                <a:spcPct val="100000"/>
+              </a:lnSpc>
+              <a:spcBef>
+                <a:spcPct val="0"/>
+              </a:spcBef>
+              <a:spcAft>
+                <a:spcPct val="0"/>
+              </a:spcAft>
+              <a:buClrTx/>
+              <a:buSzTx/>
+              <a:buFontTx/>
+              <a:buChar char="•"/>
+            </a:pPr>
+            <a:r>
+              <a:rPr lang="en-US" altLang="en-US" dirty="0">
+                <a:latin typeface="Calibri" panose="020F0502020204030204" pitchFamily="34" charset="0"/>
+                <a:cs typeface="Calibri" panose="020F0502020204030204" pitchFamily="34" charset="0"/>
+              </a:rPr>
+              <a:t> Quick and accurate symptom analysis tools</a:t>
+            </a:r>
+          </a:p>
+          <a:p>
+            <a:pPr marL="0" lvl="0" indent="0" eaLnBrk="0" fontAlgn="base" hangingPunct="0">
+              <a:lnSpc>
+                <a:spcPct val="100000"/>
+              </a:lnSpc>
+              <a:spcBef>
+                <a:spcPct val="0"/>
+              </a:spcBef>
+              <a:spcAft>
+                <a:spcPct val="0"/>
+              </a:spcAft>
+              <a:buClrTx/>
+              <a:buSzTx/>
+              <a:buFontTx/>
+              <a:buChar char="•"/>
+            </a:pPr>
+            <a:endParaRPr lang="en-US" altLang="en-US" dirty="0">
+              <a:latin typeface="Calibri" panose="020F0502020204030204" pitchFamily="34" charset="0"/>
+              <a:cs typeface="Calibri" panose="020F0502020204030204" pitchFamily="34" charset="0"/>
+            </a:endParaRPr>
+          </a:p>
+          <a:p>
+            <a:pPr marL="0" lvl="0" indent="0" eaLnBrk="0" fontAlgn="base" hangingPunct="0">
+              <a:lnSpc>
+                <a:spcPct val="100000"/>
+              </a:lnSpc>
+              <a:spcBef>
+                <a:spcPct val="0"/>
+              </a:spcBef>
+              <a:spcAft>
+                <a:spcPct val="0"/>
+              </a:spcAft>
+              <a:buClrTx/>
+              <a:buSzTx/>
+              <a:buFontTx/>
+              <a:buChar char="•"/>
+            </a:pPr>
+            <a:r>
+              <a:rPr lang="en-US" altLang="en-US" dirty="0">
+                <a:latin typeface="Calibri" panose="020F0502020204030204" pitchFamily="34" charset="0"/>
+                <a:cs typeface="Calibri" panose="020F0502020204030204" pitchFamily="34" charset="0"/>
+              </a:rPr>
+              <a:t> Building trust and effective communication with patients</a:t>
+            </a:r>
+          </a:p>
+          <a:p>
+            <a:pPr marL="0" lvl="0" indent="0" eaLnBrk="0" fontAlgn="base" hangingPunct="0">
+              <a:lnSpc>
+                <a:spcPct val="100000"/>
+              </a:lnSpc>
+              <a:spcBef>
+                <a:spcPct val="0"/>
+              </a:spcBef>
+              <a:spcAft>
+                <a:spcPct val="0"/>
+              </a:spcAft>
+              <a:buClrTx/>
+              <a:buSzTx/>
+              <a:buFontTx/>
+              <a:buChar char="•"/>
+            </a:pPr>
+            <a:endParaRPr lang="en-US" altLang="en-US" dirty="0">
+              <a:latin typeface="Calibri" panose="020F0502020204030204" pitchFamily="34" charset="0"/>
+              <a:cs typeface="Calibri" panose="020F0502020204030204" pitchFamily="34" charset="0"/>
+            </a:endParaRPr>
+          </a:p>
+          <a:p>
+            <a:pPr marL="0" lvl="0" indent="0" eaLnBrk="0" fontAlgn="base" hangingPunct="0">
+              <a:lnSpc>
+                <a:spcPct val="100000"/>
+              </a:lnSpc>
+              <a:spcBef>
+                <a:spcPct val="0"/>
+              </a:spcBef>
+              <a:spcAft>
+                <a:spcPct val="0"/>
+              </a:spcAft>
+              <a:buClrTx/>
+              <a:buSzTx/>
+              <a:buFontTx/>
+              <a:buChar char="•"/>
+            </a:pPr>
+            <a:r>
+              <a:rPr lang="en-US" altLang="en-US" dirty="0">
+                <a:latin typeface="Calibri" panose="020F0502020204030204" pitchFamily="34" charset="0"/>
+                <a:cs typeface="Calibri" panose="020F0502020204030204" pitchFamily="34" charset="0"/>
+              </a:rPr>
+              <a:t> Keeping nurses updated on latest treatments and guidelines</a:t>
+            </a:r>
+          </a:p>
+          <a:p>
+            <a:pPr marL="0" lvl="0" indent="0" eaLnBrk="0" fontAlgn="base" hangingPunct="0">
+              <a:lnSpc>
+                <a:spcPct val="100000"/>
+              </a:lnSpc>
+              <a:spcBef>
+                <a:spcPct val="0"/>
+              </a:spcBef>
+              <a:spcAft>
+                <a:spcPct val="0"/>
+              </a:spcAft>
+              <a:buClrTx/>
+              <a:buSzTx/>
+              <a:buFontTx/>
+              <a:buChar char="•"/>
+            </a:pPr>
+            <a:endParaRPr lang="en-US" altLang="en-US" dirty="0">
+              <a:latin typeface="Calibri" panose="020F0502020204030204" pitchFamily="34" charset="0"/>
+              <a:cs typeface="Calibri" panose="020F0502020204030204" pitchFamily="34" charset="0"/>
+            </a:endParaRPr>
+          </a:p>
+          <a:p>
+            <a:pPr marL="0" lvl="0" indent="0" eaLnBrk="0" fontAlgn="base" hangingPunct="0">
+              <a:lnSpc>
+                <a:spcPct val="100000"/>
+              </a:lnSpc>
+              <a:spcBef>
+                <a:spcPct val="0"/>
+              </a:spcBef>
+              <a:spcAft>
+                <a:spcPct val="0"/>
+              </a:spcAft>
+              <a:buClrTx/>
+              <a:buSzTx/>
+              <a:buFontTx/>
+              <a:buChar char="•"/>
+            </a:pPr>
+            <a:r>
+              <a:rPr lang="en-US" altLang="en-US" dirty="0">
+                <a:latin typeface="Calibri" panose="020F0502020204030204" pitchFamily="34" charset="0"/>
+                <a:cs typeface="Calibri" panose="020F0502020204030204" pitchFamily="34" charset="0"/>
+              </a:rPr>
+              <a:t> Tailoring care based on patient-specific needs </a:t>
+            </a:r>
+          </a:p>
+          <a:p>
+            <a:endParaRPr lang="en-US" dirty="0"/>
+          </a:p>
+        </p:txBody>
+      </p:sp>
+    </p:spTree>
+    <p:extLst>
+      <p:ext uri="{BB962C8B-B14F-4D97-AF65-F5344CB8AC3E}">
+        <p14:creationId xmlns:p14="http://schemas.microsoft.com/office/powerpoint/2010/main" val="2703400444"/>
+      </p:ext>
+    </p:extLst>
+  </p:cSld>
+  <p:clrMapOvr>
+    <a:masterClrMapping/>
+  </p:clrMapOvr>
+  <mc:AlternateContent xmlns:mc="http://schemas.openxmlformats.org/markup-compatibility/2006" xmlns:p159="http://schemas.microsoft.com/office/powerpoint/2015/09/main">
+    <mc:Choice Requires="p159">
+      <p:transition xmlns:p14="http://schemas.microsoft.com/office/powerpoint/2010/main" spd="slow" p14:dur="2000">
+        <p159:morph option="byObject"/>
+      </p:transition>
+    </mc:Choice>
+    <mc:Fallback xmlns="">
+      <p:transition spd="slow">
+        <p:fade/>
+      </p:transition>
+    </mc:Fallback>
+  </mc:AlternateContent>
+</p:sld>
+</file>
+
+<file path=ppt/slides/slide21.xml><?xml version="1.0" encoding="utf-8"?>
+<p:sld xmlns:a="http://schemas.openxmlformats.org/drawingml/2006/main" xmlns:r="http://schemas.openxmlformats.org/officeDocument/2006/relationships" xmlns:p="http://schemas.openxmlformats.org/presentationml/2006/main">
+  <p:cSld>
+    <p:spTree>
+      <p:nvGrpSpPr>
+        <p:cNvPr id="1" name=""/>
+        <p:cNvGrpSpPr/>
+        <p:nvPr/>
+      </p:nvGrpSpPr>
+      <p:grpSpPr>
+        <a:xfrm>
+          <a:off x="0" y="0"/>
+          <a:ext cx="0" cy="0"/>
+          <a:chOff x="0" y="0"/>
+          <a:chExt cx="0" cy="0"/>
+        </a:xfrm>
+      </p:grpSpPr>
+      <p:sp>
+        <p:nvSpPr>
+          <p:cNvPr id="2" name="Title 1">
+            <a:extLst>
+              <a:ext uri="{FF2B5EF4-FFF2-40B4-BE49-F238E27FC236}">
+                <a16:creationId xmlns:a16="http://schemas.microsoft.com/office/drawing/2014/main" id="{685203E3-B8DD-4CC5-ADAF-65294C848821}"/>
+              </a:ext>
+            </a:extLst>
+          </p:cNvPr>
+          <p:cNvSpPr>
+            <a:spLocks noGrp="1"/>
+          </p:cNvSpPr>
+          <p:nvPr>
+            <p:ph type="title"/>
+          </p:nvPr>
+        </p:nvSpPr>
+        <p:spPr/>
+        <p:txBody>
+          <a:bodyPr/>
+          <a:lstStyle/>
+          <a:p>
+            <a:r>
+              <a:rPr lang="en-ZA" dirty="0">
+                <a:latin typeface="Calibri" panose="020F0502020204030204" pitchFamily="34" charset="0"/>
+                <a:cs typeface="Calibri" panose="020F0502020204030204" pitchFamily="34" charset="0"/>
+              </a:rPr>
+              <a:t>PATIENT OUTCOMES</a:t>
+            </a:r>
+            <a:endParaRPr lang="en-US" dirty="0">
+              <a:latin typeface="Calibri" panose="020F0502020204030204" pitchFamily="34" charset="0"/>
+              <a:cs typeface="Calibri" panose="020F0502020204030204" pitchFamily="34" charset="0"/>
+            </a:endParaRPr>
+          </a:p>
+        </p:txBody>
+      </p:sp>
+      <p:sp>
+        <p:nvSpPr>
+          <p:cNvPr id="3" name="Content Placeholder 2">
+            <a:extLst>
+              <a:ext uri="{FF2B5EF4-FFF2-40B4-BE49-F238E27FC236}">
+                <a16:creationId xmlns:a16="http://schemas.microsoft.com/office/drawing/2014/main" id="{6B90C9E9-B97E-43CA-977B-FA84D4B6F2EC}"/>
+              </a:ext>
+            </a:extLst>
+          </p:cNvPr>
+          <p:cNvSpPr>
+            <a:spLocks noGrp="1"/>
+          </p:cNvSpPr>
+          <p:nvPr>
+            <p:ph idx="1"/>
+          </p:nvPr>
+        </p:nvSpPr>
+        <p:spPr/>
+        <p:txBody>
+          <a:bodyPr>
+            <a:normAutofit/>
+          </a:bodyPr>
+          <a:lstStyle/>
+          <a:p>
+            <a:pPr marL="0" lvl="0" indent="0" eaLnBrk="0" fontAlgn="base" hangingPunct="0">
+              <a:lnSpc>
+                <a:spcPct val="100000"/>
+              </a:lnSpc>
+              <a:spcBef>
+                <a:spcPct val="0"/>
+              </a:spcBef>
+              <a:spcAft>
+                <a:spcPct val="0"/>
+              </a:spcAft>
+              <a:buClrTx/>
+              <a:buSzTx/>
+              <a:buNone/>
+            </a:pPr>
+            <a:endParaRPr lang="en-US" altLang="en-US" dirty="0">
+              <a:latin typeface="Aptos (Body)"/>
+            </a:endParaRPr>
+          </a:p>
+          <a:p>
+            <a:pPr marL="0" lvl="0" indent="0" eaLnBrk="0" fontAlgn="base" hangingPunct="0">
+              <a:lnSpc>
+                <a:spcPct val="100000"/>
+              </a:lnSpc>
+              <a:spcBef>
+                <a:spcPct val="0"/>
+              </a:spcBef>
+              <a:spcAft>
+                <a:spcPct val="0"/>
+              </a:spcAft>
+              <a:buClrTx/>
+              <a:buSzTx/>
+              <a:buFontTx/>
+              <a:buChar char="•"/>
+            </a:pPr>
+            <a:r>
+              <a:rPr lang="en-US" altLang="en-US" dirty="0">
+                <a:latin typeface="Aptos (Body)"/>
+              </a:rPr>
+              <a:t> </a:t>
+            </a:r>
+            <a:r>
+              <a:rPr lang="en-US" altLang="en-US" dirty="0">
+                <a:latin typeface="Calibri" panose="020F0502020204030204" pitchFamily="34" charset="0"/>
+                <a:cs typeface="Calibri" panose="020F0502020204030204" pitchFamily="34" charset="0"/>
+              </a:rPr>
+              <a:t>Early diagnoses and appropriate treatments</a:t>
+            </a:r>
+          </a:p>
+          <a:p>
+            <a:pPr marL="0" lvl="0" indent="0" eaLnBrk="0" fontAlgn="base" hangingPunct="0">
+              <a:lnSpc>
+                <a:spcPct val="100000"/>
+              </a:lnSpc>
+              <a:spcBef>
+                <a:spcPct val="0"/>
+              </a:spcBef>
+              <a:spcAft>
+                <a:spcPct val="0"/>
+              </a:spcAft>
+              <a:buClrTx/>
+              <a:buSzTx/>
+              <a:buFontTx/>
+              <a:buChar char="•"/>
+            </a:pPr>
+            <a:endParaRPr lang="en-US" altLang="en-US" dirty="0">
+              <a:latin typeface="Calibri" panose="020F0502020204030204" pitchFamily="34" charset="0"/>
+              <a:cs typeface="Calibri" panose="020F0502020204030204" pitchFamily="34" charset="0"/>
+            </a:endParaRPr>
+          </a:p>
+          <a:p>
+            <a:pPr marL="0" lvl="0" indent="0" eaLnBrk="0" fontAlgn="base" hangingPunct="0">
+              <a:lnSpc>
+                <a:spcPct val="100000"/>
+              </a:lnSpc>
+              <a:spcBef>
+                <a:spcPct val="0"/>
+              </a:spcBef>
+              <a:spcAft>
+                <a:spcPct val="0"/>
+              </a:spcAft>
+              <a:buClrTx/>
+              <a:buSzTx/>
+              <a:buFontTx/>
+              <a:buChar char="•"/>
+            </a:pPr>
+            <a:r>
+              <a:rPr lang="en-US" altLang="en-US" dirty="0">
+                <a:latin typeface="Calibri" panose="020F0502020204030204" pitchFamily="34" charset="0"/>
+                <a:cs typeface="Calibri" panose="020F0502020204030204" pitchFamily="34" charset="0"/>
+              </a:rPr>
+              <a:t> Personalized treatment recommendations</a:t>
+            </a:r>
+          </a:p>
+          <a:p>
+            <a:pPr marL="0" lvl="0" indent="0" eaLnBrk="0" fontAlgn="base" hangingPunct="0">
+              <a:lnSpc>
+                <a:spcPct val="100000"/>
+              </a:lnSpc>
+              <a:spcBef>
+                <a:spcPct val="0"/>
+              </a:spcBef>
+              <a:spcAft>
+                <a:spcPct val="0"/>
+              </a:spcAft>
+              <a:buClrTx/>
+              <a:buSzTx/>
+              <a:buFontTx/>
+              <a:buChar char="•"/>
+            </a:pPr>
+            <a:endParaRPr lang="en-US" altLang="en-US" dirty="0">
+              <a:latin typeface="Calibri" panose="020F0502020204030204" pitchFamily="34" charset="0"/>
+              <a:cs typeface="Calibri" panose="020F0502020204030204" pitchFamily="34" charset="0"/>
+            </a:endParaRPr>
+          </a:p>
+          <a:p>
+            <a:pPr marL="0" lvl="0" indent="0" eaLnBrk="0" fontAlgn="base" hangingPunct="0">
+              <a:lnSpc>
+                <a:spcPct val="100000"/>
+              </a:lnSpc>
+              <a:spcBef>
+                <a:spcPct val="0"/>
+              </a:spcBef>
+              <a:spcAft>
+                <a:spcPct val="0"/>
+              </a:spcAft>
+              <a:buClrTx/>
+              <a:buSzTx/>
+              <a:buFontTx/>
+              <a:buChar char="•"/>
+            </a:pPr>
+            <a:r>
+              <a:rPr lang="en-US" altLang="en-US" dirty="0">
+                <a:latin typeface="Calibri" panose="020F0502020204030204" pitchFamily="34" charset="0"/>
+                <a:cs typeface="Calibri" panose="020F0502020204030204" pitchFamily="34" charset="0"/>
+              </a:rPr>
+              <a:t> Reducing the risk of diagnostic errors</a:t>
+            </a:r>
+          </a:p>
+          <a:p>
+            <a:pPr marL="0" lvl="0" indent="0" eaLnBrk="0" fontAlgn="base" hangingPunct="0">
+              <a:lnSpc>
+                <a:spcPct val="100000"/>
+              </a:lnSpc>
+              <a:spcBef>
+                <a:spcPct val="0"/>
+              </a:spcBef>
+              <a:spcAft>
+                <a:spcPct val="0"/>
+              </a:spcAft>
+              <a:buClrTx/>
+              <a:buSzTx/>
+              <a:buFontTx/>
+              <a:buChar char="•"/>
+            </a:pPr>
+            <a:endParaRPr lang="en-US" altLang="en-US" dirty="0">
+              <a:latin typeface="Calibri" panose="020F0502020204030204" pitchFamily="34" charset="0"/>
+              <a:cs typeface="Calibri" panose="020F0502020204030204" pitchFamily="34" charset="0"/>
+            </a:endParaRPr>
+          </a:p>
+          <a:p>
+            <a:pPr marL="0" lvl="0" indent="0" eaLnBrk="0" fontAlgn="base" hangingPunct="0">
+              <a:lnSpc>
+                <a:spcPct val="100000"/>
+              </a:lnSpc>
+              <a:spcBef>
+                <a:spcPct val="0"/>
+              </a:spcBef>
+              <a:spcAft>
+                <a:spcPct val="0"/>
+              </a:spcAft>
+              <a:buClrTx/>
+              <a:buSzTx/>
+              <a:buFontTx/>
+              <a:buChar char="•"/>
+            </a:pPr>
+            <a:r>
+              <a:rPr lang="en-US" altLang="en-US" dirty="0">
+                <a:latin typeface="Calibri" panose="020F0502020204030204" pitchFamily="34" charset="0"/>
+                <a:cs typeface="Calibri" panose="020F0502020204030204" pitchFamily="34" charset="0"/>
+              </a:rPr>
+              <a:t> Enhanced overall quality of life for patients</a:t>
+            </a:r>
+          </a:p>
+          <a:p>
+            <a:pPr marL="0" lvl="0" indent="0" eaLnBrk="0" fontAlgn="base" hangingPunct="0">
+              <a:lnSpc>
+                <a:spcPct val="100000"/>
+              </a:lnSpc>
+              <a:spcBef>
+                <a:spcPct val="0"/>
+              </a:spcBef>
+              <a:spcAft>
+                <a:spcPct val="0"/>
+              </a:spcAft>
+              <a:buClrTx/>
+              <a:buSzTx/>
+              <a:buFontTx/>
+              <a:buChar char="•"/>
+            </a:pPr>
+            <a:endParaRPr lang="en-US" altLang="en-US" dirty="0">
+              <a:latin typeface="Calibri" panose="020F0502020204030204" pitchFamily="34" charset="0"/>
+              <a:cs typeface="Calibri" panose="020F0502020204030204" pitchFamily="34" charset="0"/>
+            </a:endParaRPr>
+          </a:p>
+          <a:p>
+            <a:pPr marL="0" lvl="0" indent="0" eaLnBrk="0" fontAlgn="base" hangingPunct="0">
+              <a:lnSpc>
+                <a:spcPct val="100000"/>
+              </a:lnSpc>
+              <a:spcBef>
+                <a:spcPct val="0"/>
+              </a:spcBef>
+              <a:spcAft>
+                <a:spcPct val="0"/>
+              </a:spcAft>
+              <a:buClrTx/>
+              <a:buSzTx/>
+              <a:buFontTx/>
+              <a:buChar char="•"/>
+            </a:pPr>
+            <a:r>
+              <a:rPr lang="en-US" altLang="en-US" dirty="0">
+                <a:latin typeface="Calibri" panose="020F0502020204030204" pitchFamily="34" charset="0"/>
+                <a:cs typeface="Calibri" panose="020F0502020204030204" pitchFamily="34" charset="0"/>
+              </a:rPr>
+              <a:t> More effective, efficient, and compassionate        healthcare </a:t>
+            </a:r>
+          </a:p>
+          <a:p>
+            <a:endParaRPr lang="en-US" dirty="0"/>
+          </a:p>
+        </p:txBody>
+      </p:sp>
+    </p:spTree>
+    <p:extLst>
+      <p:ext uri="{BB962C8B-B14F-4D97-AF65-F5344CB8AC3E}">
+        <p14:creationId xmlns:p14="http://schemas.microsoft.com/office/powerpoint/2010/main" val="1247189225"/>
+      </p:ext>
+    </p:extLst>
+  </p:cSld>
+  <p:clrMapOvr>
+    <a:masterClrMapping/>
+  </p:clrMapOvr>
+  <mc:AlternateContent xmlns:mc="http://schemas.openxmlformats.org/markup-compatibility/2006" xmlns:p159="http://schemas.microsoft.com/office/powerpoint/2015/09/main">
+    <mc:Choice Requires="p159">
+      <p:transition xmlns:p14="http://schemas.microsoft.com/office/powerpoint/2010/main" spd="slow" p14:dur="2000">
+        <p159:morph option="byObject"/>
+      </p:transition>
+    </mc:Choice>
+    <mc:Fallback xmlns="">
+      <p:transition spd="slow">
+        <p:fade/>
+      </p:transition>
+    </mc:Fallback>
+  </mc:AlternateContent>
+</p:sld>
+</file>
+
+<file path=ppt/slides/slide22.xml><?xml version="1.0" encoding="utf-8"?>
+<p:sld xmlns:a="http://schemas.openxmlformats.org/drawingml/2006/main" xmlns:r="http://schemas.openxmlformats.org/officeDocument/2006/relationships" xmlns:p="http://schemas.openxmlformats.org/presentationml/2006/main">
+  <p:cSld>
+    <p:spTree>
+      <p:nvGrpSpPr>
+        <p:cNvPr id="1" name=""/>
+        <p:cNvGrpSpPr/>
+        <p:nvPr/>
+      </p:nvGrpSpPr>
+      <p:grpSpPr>
+        <a:xfrm>
+          <a:off x="0" y="0"/>
+          <a:ext cx="0" cy="0"/>
+          <a:chOff x="0" y="0"/>
+          <a:chExt cx="0" cy="0"/>
+        </a:xfrm>
+      </p:grpSpPr>
+      <p:sp>
+        <p:nvSpPr>
+          <p:cNvPr id="2" name="Title 1">
+            <a:extLst>
+              <a:ext uri="{FF2B5EF4-FFF2-40B4-BE49-F238E27FC236}">
                 <a16:creationId xmlns:a16="http://schemas.microsoft.com/office/drawing/2014/main" id="{861A9C29-1B82-4803-BDF8-8542617A0BBB}"/>
               </a:ext>
             </a:extLst>
@@ -6340,13 +6755,13 @@
   <p:clrMapOvr>
     <a:masterClrMapping/>
   </p:clrMapOvr>
-  <mc:AlternateContent xmlns:mc="http://schemas.openxmlformats.org/markup-compatibility/2006">
-    <mc:Choice xmlns:p159="http://schemas.microsoft.com/office/powerpoint/2015/09/main" Requires="p159">
+  <mc:AlternateContent xmlns:mc="http://schemas.openxmlformats.org/markup-compatibility/2006" xmlns:p159="http://schemas.microsoft.com/office/powerpoint/2015/09/main">
+    <mc:Choice Requires="p159">
       <p:transition xmlns:p14="http://schemas.microsoft.com/office/powerpoint/2010/main" spd="slow" p14:dur="2000">
         <p159:morph option="byObject"/>
       </p:transition>
     </mc:Choice>
-    <mc:Fallback>
+    <mc:Fallback xmlns="">
       <p:transition spd="slow">
         <p:fade/>
       </p:transition>
@@ -6491,13 +6906,13 @@
   <p:clrMapOvr>
     <a:masterClrMapping/>
   </p:clrMapOvr>
-  <mc:AlternateContent xmlns:mc="http://schemas.openxmlformats.org/markup-compatibility/2006">
-    <mc:Choice xmlns:p159="http://schemas.microsoft.com/office/powerpoint/2015/09/main" Requires="p159">
+  <mc:AlternateContent xmlns:mc="http://schemas.openxmlformats.org/markup-compatibility/2006" xmlns:p159="http://schemas.microsoft.com/office/powerpoint/2015/09/main">
+    <mc:Choice Requires="p159">
       <p:transition xmlns:p14="http://schemas.microsoft.com/office/powerpoint/2010/main" spd="slow" p14:dur="2000">
         <p159:morph option="byObject"/>
       </p:transition>
     </mc:Choice>
-    <mc:Fallback>
+    <mc:Fallback xmlns="">
       <p:transition spd="slow">
         <p:fade/>
       </p:transition>
@@ -6651,13 +7066,13 @@
   <p:clrMapOvr>
     <a:masterClrMapping/>
   </p:clrMapOvr>
-  <mc:AlternateContent xmlns:mc="http://schemas.openxmlformats.org/markup-compatibility/2006">
-    <mc:Choice xmlns:p159="http://schemas.microsoft.com/office/powerpoint/2015/09/main" Requires="p159">
+  <mc:AlternateContent xmlns:mc="http://schemas.openxmlformats.org/markup-compatibility/2006" xmlns:p159="http://schemas.microsoft.com/office/powerpoint/2015/09/main">
+    <mc:Choice Requires="p159">
       <p:transition xmlns:p14="http://schemas.microsoft.com/office/powerpoint/2010/main" spd="slow" p14:dur="2000">
         <p159:morph option="byObject"/>
       </p:transition>
     </mc:Choice>
-    <mc:Fallback>
+    <mc:Fallback xmlns="">
       <p:transition spd="slow">
         <p:fade/>
       </p:transition>
@@ -6818,13 +7233,13 @@
   <p:clrMapOvr>
     <a:masterClrMapping/>
   </p:clrMapOvr>
-  <mc:AlternateContent xmlns:mc="http://schemas.openxmlformats.org/markup-compatibility/2006">
-    <mc:Choice xmlns:p159="http://schemas.microsoft.com/office/powerpoint/2015/09/main" Requires="p159">
+  <mc:AlternateContent xmlns:mc="http://schemas.openxmlformats.org/markup-compatibility/2006" xmlns:p159="http://schemas.microsoft.com/office/powerpoint/2015/09/main">
+    <mc:Choice Requires="p159">
       <p:transition xmlns:p14="http://schemas.microsoft.com/office/powerpoint/2010/main" spd="slow" p14:dur="2000">
         <p159:morph option="byObject"/>
       </p:transition>
     </mc:Choice>
-    <mc:Fallback>
+    <mc:Fallback xmlns="">
       <p:transition spd="slow">
         <p:fade/>
       </p:transition>
@@ -6972,13 +7387,13 @@
   <p:clrMapOvr>
     <a:masterClrMapping/>
   </p:clrMapOvr>
-  <mc:AlternateContent xmlns:mc="http://schemas.openxmlformats.org/markup-compatibility/2006">
-    <mc:Choice xmlns:p159="http://schemas.microsoft.com/office/powerpoint/2015/09/main" Requires="p159">
+  <mc:AlternateContent xmlns:mc="http://schemas.openxmlformats.org/markup-compatibility/2006" xmlns:p159="http://schemas.microsoft.com/office/powerpoint/2015/09/main">
+    <mc:Choice Requires="p159">
       <p:transition xmlns:p14="http://schemas.microsoft.com/office/powerpoint/2010/main" spd="slow" p14:dur="2000">
         <p159:morph option="byObject"/>
       </p:transition>
     </mc:Choice>
-    <mc:Fallback>
+    <mc:Fallback xmlns="">
       <p:transition spd="slow">
         <p:fade/>
       </p:transition>
@@ -7141,13 +7556,13 @@
   <p:clrMapOvr>
     <a:masterClrMapping/>
   </p:clrMapOvr>
-  <mc:AlternateContent xmlns:mc="http://schemas.openxmlformats.org/markup-compatibility/2006">
-    <mc:Choice xmlns:p159="http://schemas.microsoft.com/office/powerpoint/2015/09/main" Requires="p159">
+  <mc:AlternateContent xmlns:mc="http://schemas.openxmlformats.org/markup-compatibility/2006" xmlns:p159="http://schemas.microsoft.com/office/powerpoint/2015/09/main">
+    <mc:Choice Requires="p159">
       <p:transition xmlns:p14="http://schemas.microsoft.com/office/powerpoint/2010/main" spd="slow" p14:dur="2000">
         <p159:morph option="byObject"/>
       </p:transition>
     </mc:Choice>
-    <mc:Fallback>
+    <mc:Fallback xmlns="">
       <p:transition spd="slow">
         <p:fade/>
       </p:transition>
@@ -7345,13 +7760,13 @@
   <p:clrMapOvr>
     <a:masterClrMapping/>
   </p:clrMapOvr>
-  <mc:AlternateContent xmlns:mc="http://schemas.openxmlformats.org/markup-compatibility/2006">
-    <mc:Choice xmlns:p159="http://schemas.microsoft.com/office/powerpoint/2015/09/main" Requires="p159">
+  <mc:AlternateContent xmlns:mc="http://schemas.openxmlformats.org/markup-compatibility/2006" xmlns:p159="http://schemas.microsoft.com/office/powerpoint/2015/09/main">
+    <mc:Choice Requires="p159">
       <p:transition xmlns:p14="http://schemas.microsoft.com/office/powerpoint/2010/main" spd="slow" p14:dur="2000">
         <p159:morph option="byObject"/>
       </p:transition>
     </mc:Choice>
-    <mc:Fallback>
+    <mc:Fallback xmlns="">
       <p:transition spd="slow">
         <p:fade/>
       </p:transition>
@@ -7529,13 +7944,13 @@
   <p:clrMapOvr>
     <a:masterClrMapping/>
   </p:clrMapOvr>
-  <mc:AlternateContent xmlns:mc="http://schemas.openxmlformats.org/markup-compatibility/2006">
-    <mc:Choice xmlns:p159="http://schemas.microsoft.com/office/powerpoint/2015/09/main" Requires="p159">
+  <mc:AlternateContent xmlns:mc="http://schemas.openxmlformats.org/markup-compatibility/2006" xmlns:p159="http://schemas.microsoft.com/office/powerpoint/2015/09/main">
+    <mc:Choice Requires="p159">
       <p:transition xmlns:p14="http://schemas.microsoft.com/office/powerpoint/2010/main" spd="slow" p14:dur="2000">
         <p159:morph option="byObject"/>
       </p:transition>
     </mc:Choice>
-    <mc:Fallback>
+    <mc:Fallback xmlns="">
       <p:transition spd="slow">
         <p:fade/>
       </p:transition>
